--- a/day04/slides/Day4_slides.pptx
+++ b/day04/slides/Day4_slides.pptx
@@ -5,7 +5,7 @@
     <p:sldMasterId id="2147483648" r:id="rId1"/>
   </p:sldMasterIdLst>
   <p:notesMasterIdLst>
-    <p:notesMasterId r:id="rId14"/>
+    <p:notesMasterId r:id="rId18"/>
   </p:notesMasterIdLst>
   <p:sldIdLst>
     <p:sldId id="256" r:id="rId2"/>
@@ -15,11 +15,15 @@
     <p:sldId id="260" r:id="rId6"/>
     <p:sldId id="261" r:id="rId7"/>
     <p:sldId id="262" r:id="rId8"/>
-    <p:sldId id="263" r:id="rId9"/>
-    <p:sldId id="264" r:id="rId10"/>
-    <p:sldId id="265" r:id="rId11"/>
-    <p:sldId id="266" r:id="rId12"/>
-    <p:sldId id="267" r:id="rId13"/>
+    <p:sldId id="268" r:id="rId9"/>
+    <p:sldId id="272" r:id="rId10"/>
+    <p:sldId id="274" r:id="rId11"/>
+    <p:sldId id="275" r:id="rId12"/>
+    <p:sldId id="263" r:id="rId13"/>
+    <p:sldId id="264" r:id="rId14"/>
+    <p:sldId id="265" r:id="rId15"/>
+    <p:sldId id="266" r:id="rId16"/>
+    <p:sldId id="267" r:id="rId17"/>
   </p:sldIdLst>
   <p:sldSz cx="10080625" cy="5670550"/>
   <p:notesSz cx="7772400" cy="10058400"/>
@@ -253,8 +257,11 @@
     </a:lvl9pPr>
   </p:defaultTextStyle>
   <p:extLst>
+    <p:ext uri="{EFAFB233-063F-42B5-8137-9DF3F51BA10A}">
+      <p15:sldGuideLst xmlns:p15="http://schemas.microsoft.com/office/powerpoint/2012/main"/>
+    </p:ext>
     <p:ext uri="http://customooxmlschemas.google.com/">
-      <go:slidesCustomData xmlns:go="http://customooxmlschemas.google.com/" xmlns:ahyp="http://schemas.microsoft.com/office/drawing/2018/hyperlinkcolor" xmlns:p15="http://schemas.microsoft.com/office/powerpoint/2012/main" xmlns:p14="http://schemas.microsoft.com/office/powerpoint/2010/main" xmlns:com="http://schemas.openxmlformats.org/drawingml/2006/compatibility" xmlns:pvml="urn:schemas-microsoft-com:office:powerpoint" xmlns:v="urn:schemas-microsoft-com:vml" xmlns:o="urn:schemas-microsoft-com:office:office" xmlns:dgm="http://schemas.openxmlformats.org/drawingml/2006/diagram" xmlns:c="http://schemas.openxmlformats.org/drawingml/2006/chart" xmlns:mv="urn:schemas-microsoft-com:mac:vml" xmlns:mc="http://schemas.openxmlformats.org/markup-compatibility/2006" xmlns="" r:id="rId17" roundtripDataSignature="AMtx7mhIASzctZQLTsOLot5ua6GU+0b6ug=="/>
+      <go:slidesCustomData xmlns:go="http://customooxmlschemas.google.com/" xmlns:ahyp="http://schemas.microsoft.com/office/drawing/2018/hyperlinkcolor" xmlns:p15="http://schemas.microsoft.com/office/powerpoint/2012/main" xmlns:p14="http://schemas.microsoft.com/office/powerpoint/2010/main" xmlns:com="http://schemas.openxmlformats.org/drawingml/2006/compatibility" xmlns:pvml="urn:schemas-microsoft-com:office:powerpoint" xmlns:v="urn:schemas-microsoft-com:vml" xmlns:o="urn:schemas-microsoft-com:office:office" xmlns:dgm="http://schemas.openxmlformats.org/drawingml/2006/diagram" xmlns:c="http://schemas.openxmlformats.org/drawingml/2006/chart" xmlns:mv="urn:schemas-microsoft-com:mac:vml" xmlns:mc="http://schemas.openxmlformats.org/markup-compatibility/2006" xmlns="" r:id="rId19" roundtripDataSignature="AMtx7mhIASzctZQLTsOLot5ua6GU+0b6ug=="/>
     </p:ext>
   </p:extLst>
 </p:presentation>
@@ -1707,7 +1714,7 @@
                 <a:cs typeface="Arial"/>
                 <a:sym typeface="Arial"/>
               </a:rPr>
-              <a:t>10</a:t>
+              <a:t>14</a:t>
             </a:fld>
             <a:endParaRPr/>
           </a:p>
@@ -1883,7 +1890,7 @@
                 <a:cs typeface="Arial"/>
                 <a:sym typeface="Arial"/>
               </a:rPr>
-              <a:t>11</a:t>
+              <a:t>15</a:t>
             </a:fld>
             <a:endParaRPr/>
           </a:p>
@@ -2059,7 +2066,7 @@
                 <a:cs typeface="Arial"/>
                 <a:sym typeface="Arial"/>
               </a:rPr>
-              <a:t>12</a:t>
+              <a:t>16</a:t>
             </a:fld>
             <a:endParaRPr/>
           </a:p>
@@ -3291,7 +3298,7 @@
                 <a:cs typeface="Arial"/>
                 <a:sym typeface="Arial"/>
               </a:rPr>
-              <a:t>8</a:t>
+              <a:t>12</a:t>
             </a:fld>
             <a:endParaRPr/>
           </a:p>
@@ -3467,7 +3474,7 @@
                 <a:cs typeface="Arial"/>
                 <a:sym typeface="Arial"/>
               </a:rPr>
-              <a:t>9</a:t>
+              <a:t>13</a:t>
             </a:fld>
             <a:endParaRPr/>
           </a:p>
@@ -4074,817 +4081,6 @@
 </file>
 
 <file path=ppt/slideLayouts/slideLayout10.xml><?xml version="1.0" encoding="utf-8"?>
-<p:sldLayout xmlns:a="http://schemas.openxmlformats.org/drawingml/2006/main" xmlns:r="http://schemas.openxmlformats.org/officeDocument/2006/relationships" xmlns:p="http://schemas.openxmlformats.org/presentationml/2006/main" matchingName="Title and Vertical Text" type="vertTx">
-  <p:cSld name="VERTICAL_TEXT">
-    <p:spTree>
-      <p:nvGrpSpPr>
-        <p:cNvPr id="1" name="Shape 72"/>
-        <p:cNvGrpSpPr/>
-        <p:nvPr/>
-      </p:nvGrpSpPr>
-      <p:grpSpPr>
-        <a:xfrm>
-          <a:off x="0" y="0"/>
-          <a:ext cx="0" cy="0"/>
-          <a:chOff x="0" y="0"/>
-          <a:chExt cx="0" cy="0"/>
-        </a:xfrm>
-      </p:grpSpPr>
-      <p:sp>
-        <p:nvSpPr>
-          <p:cNvPr id="73" name="Google Shape;73;p23"/>
-          <p:cNvSpPr txBox="1">
-            <a:spLocks noGrp="1"/>
-          </p:cNvSpPr>
-          <p:nvPr>
-            <p:ph type="title"/>
-          </p:nvPr>
-        </p:nvSpPr>
-        <p:spPr>
-          <a:xfrm>
-            <a:off x="503999" y="226080"/>
-            <a:ext cx="9071640" cy="946440"/>
-          </a:xfrm>
-          <a:prstGeom prst="rect">
-            <a:avLst/>
-          </a:prstGeom>
-          <a:noFill/>
-          <a:ln>
-            <a:noFill/>
-          </a:ln>
-        </p:spPr>
-        <p:txBody>
-          <a:bodyPr spcFirstLastPara="1" wrap="square" lIns="0" tIns="0" rIns="0" bIns="0" anchor="ctr" anchorCtr="0">
-            <a:noAutofit/>
-          </a:bodyPr>
-          <a:lstStyle>
-            <a:lvl1pPr lvl="0" algn="ctr">
-              <a:spcBef>
-                <a:spcPts val="0"/>
-              </a:spcBef>
-              <a:spcAft>
-                <a:spcPts val="0"/>
-              </a:spcAft>
-              <a:buSzPts val="1400"/>
-              <a:buNone/>
-              <a:defRPr/>
-            </a:lvl1pPr>
-            <a:lvl2pPr lvl="1">
-              <a:spcBef>
-                <a:spcPts val="0"/>
-              </a:spcBef>
-              <a:spcAft>
-                <a:spcPts val="0"/>
-              </a:spcAft>
-              <a:buSzPts val="1400"/>
-              <a:buNone/>
-              <a:defRPr/>
-            </a:lvl2pPr>
-            <a:lvl3pPr lvl="2">
-              <a:spcBef>
-                <a:spcPts val="0"/>
-              </a:spcBef>
-              <a:spcAft>
-                <a:spcPts val="0"/>
-              </a:spcAft>
-              <a:buSzPts val="1400"/>
-              <a:buNone/>
-              <a:defRPr/>
-            </a:lvl3pPr>
-            <a:lvl4pPr lvl="3">
-              <a:spcBef>
-                <a:spcPts val="0"/>
-              </a:spcBef>
-              <a:spcAft>
-                <a:spcPts val="0"/>
-              </a:spcAft>
-              <a:buSzPts val="1400"/>
-              <a:buNone/>
-              <a:defRPr/>
-            </a:lvl4pPr>
-            <a:lvl5pPr lvl="4">
-              <a:spcBef>
-                <a:spcPts val="0"/>
-              </a:spcBef>
-              <a:spcAft>
-                <a:spcPts val="0"/>
-              </a:spcAft>
-              <a:buSzPts val="1400"/>
-              <a:buNone/>
-              <a:defRPr/>
-            </a:lvl5pPr>
-            <a:lvl6pPr lvl="5">
-              <a:spcBef>
-                <a:spcPts val="0"/>
-              </a:spcBef>
-              <a:spcAft>
-                <a:spcPts val="0"/>
-              </a:spcAft>
-              <a:buSzPts val="1400"/>
-              <a:buNone/>
-              <a:defRPr/>
-            </a:lvl6pPr>
-            <a:lvl7pPr lvl="6">
-              <a:spcBef>
-                <a:spcPts val="0"/>
-              </a:spcBef>
-              <a:spcAft>
-                <a:spcPts val="0"/>
-              </a:spcAft>
-              <a:buSzPts val="1400"/>
-              <a:buNone/>
-              <a:defRPr/>
-            </a:lvl7pPr>
-            <a:lvl8pPr lvl="7">
-              <a:spcBef>
-                <a:spcPts val="0"/>
-              </a:spcBef>
-              <a:spcAft>
-                <a:spcPts val="0"/>
-              </a:spcAft>
-              <a:buSzPts val="1400"/>
-              <a:buNone/>
-              <a:defRPr/>
-            </a:lvl8pPr>
-            <a:lvl9pPr lvl="8">
-              <a:spcBef>
-                <a:spcPts val="0"/>
-              </a:spcBef>
-              <a:spcAft>
-                <a:spcPts val="0"/>
-              </a:spcAft>
-              <a:buSzPts val="1400"/>
-              <a:buNone/>
-              <a:defRPr/>
-            </a:lvl9pPr>
-          </a:lstStyle>
-          <a:p>
-            <a:endParaRPr/>
-          </a:p>
-        </p:txBody>
-      </p:sp>
-      <p:sp>
-        <p:nvSpPr>
-          <p:cNvPr id="74" name="Google Shape;74;p23"/>
-          <p:cNvSpPr txBox="1">
-            <a:spLocks noGrp="1"/>
-          </p:cNvSpPr>
-          <p:nvPr>
-            <p:ph type="body" idx="1"/>
-          </p:nvPr>
-        </p:nvSpPr>
-        <p:spPr>
-          <a:xfrm rot="5400000">
-            <a:off x="3395700" y="-1565100"/>
-            <a:ext cx="3288239" cy="9071640"/>
-          </a:xfrm>
-          <a:prstGeom prst="rect">
-            <a:avLst/>
-          </a:prstGeom>
-          <a:noFill/>
-          <a:ln>
-            <a:noFill/>
-          </a:ln>
-        </p:spPr>
-        <p:txBody>
-          <a:bodyPr spcFirstLastPara="1" wrap="square" lIns="0" tIns="0" rIns="0" bIns="0" anchor="t" anchorCtr="0">
-            <a:normAutofit/>
-          </a:bodyPr>
-          <a:lstStyle>
-            <a:lvl1pPr marL="457200" lvl="0" indent="-228600" algn="l">
-              <a:spcBef>
-                <a:spcPts val="1417"/>
-              </a:spcBef>
-              <a:spcAft>
-                <a:spcPts val="0"/>
-              </a:spcAft>
-              <a:buSzPts val="1400"/>
-              <a:buNone/>
-              <a:defRPr/>
-            </a:lvl1pPr>
-            <a:lvl2pPr marL="914400" lvl="1" indent="-342900" algn="l">
-              <a:lnSpc>
-                <a:spcPct val="90000"/>
-              </a:lnSpc>
-              <a:spcBef>
-                <a:spcPts val="500"/>
-              </a:spcBef>
-              <a:spcAft>
-                <a:spcPts val="0"/>
-              </a:spcAft>
-              <a:buClr>
-                <a:schemeClr val="dk1"/>
-              </a:buClr>
-              <a:buSzPts val="1800"/>
-              <a:buChar char="•"/>
-              <a:defRPr/>
-            </a:lvl2pPr>
-            <a:lvl3pPr marL="1371600" lvl="2" indent="-342900" algn="l">
-              <a:lnSpc>
-                <a:spcPct val="90000"/>
-              </a:lnSpc>
-              <a:spcBef>
-                <a:spcPts val="500"/>
-              </a:spcBef>
-              <a:spcAft>
-                <a:spcPts val="0"/>
-              </a:spcAft>
-              <a:buClr>
-                <a:schemeClr val="dk1"/>
-              </a:buClr>
-              <a:buSzPts val="1800"/>
-              <a:buChar char="•"/>
-              <a:defRPr/>
-            </a:lvl3pPr>
-            <a:lvl4pPr marL="1828800" lvl="3" indent="-342900" algn="l">
-              <a:lnSpc>
-                <a:spcPct val="90000"/>
-              </a:lnSpc>
-              <a:spcBef>
-                <a:spcPts val="500"/>
-              </a:spcBef>
-              <a:spcAft>
-                <a:spcPts val="0"/>
-              </a:spcAft>
-              <a:buClr>
-                <a:schemeClr val="dk1"/>
-              </a:buClr>
-              <a:buSzPts val="1800"/>
-              <a:buChar char="•"/>
-              <a:defRPr/>
-            </a:lvl4pPr>
-            <a:lvl5pPr marL="2286000" lvl="4" indent="-342900" algn="l">
-              <a:lnSpc>
-                <a:spcPct val="90000"/>
-              </a:lnSpc>
-              <a:spcBef>
-                <a:spcPts val="500"/>
-              </a:spcBef>
-              <a:spcAft>
-                <a:spcPts val="0"/>
-              </a:spcAft>
-              <a:buClr>
-                <a:schemeClr val="dk1"/>
-              </a:buClr>
-              <a:buSzPts val="1800"/>
-              <a:buChar char="•"/>
-              <a:defRPr/>
-            </a:lvl5pPr>
-            <a:lvl6pPr marL="2743200" lvl="5" indent="-342900" algn="l">
-              <a:lnSpc>
-                <a:spcPct val="90000"/>
-              </a:lnSpc>
-              <a:spcBef>
-                <a:spcPts val="500"/>
-              </a:spcBef>
-              <a:spcAft>
-                <a:spcPts val="0"/>
-              </a:spcAft>
-              <a:buClr>
-                <a:schemeClr val="dk1"/>
-              </a:buClr>
-              <a:buSzPts val="1800"/>
-              <a:buChar char="•"/>
-              <a:defRPr/>
-            </a:lvl6pPr>
-            <a:lvl7pPr marL="3200400" lvl="6" indent="-342900" algn="l">
-              <a:lnSpc>
-                <a:spcPct val="90000"/>
-              </a:lnSpc>
-              <a:spcBef>
-                <a:spcPts val="500"/>
-              </a:spcBef>
-              <a:spcAft>
-                <a:spcPts val="0"/>
-              </a:spcAft>
-              <a:buClr>
-                <a:schemeClr val="dk1"/>
-              </a:buClr>
-              <a:buSzPts val="1800"/>
-              <a:buChar char="•"/>
-              <a:defRPr/>
-            </a:lvl7pPr>
-            <a:lvl8pPr marL="3657600" lvl="7" indent="-342900" algn="l">
-              <a:lnSpc>
-                <a:spcPct val="90000"/>
-              </a:lnSpc>
-              <a:spcBef>
-                <a:spcPts val="500"/>
-              </a:spcBef>
-              <a:spcAft>
-                <a:spcPts val="0"/>
-              </a:spcAft>
-              <a:buClr>
-                <a:schemeClr val="dk1"/>
-              </a:buClr>
-              <a:buSzPts val="1800"/>
-              <a:buChar char="•"/>
-              <a:defRPr/>
-            </a:lvl8pPr>
-            <a:lvl9pPr marL="4114800" lvl="8" indent="-342900" algn="l">
-              <a:lnSpc>
-                <a:spcPct val="90000"/>
-              </a:lnSpc>
-              <a:spcBef>
-                <a:spcPts val="500"/>
-              </a:spcBef>
-              <a:spcAft>
-                <a:spcPts val="0"/>
-              </a:spcAft>
-              <a:buClr>
-                <a:schemeClr val="dk1"/>
-              </a:buClr>
-              <a:buSzPts val="1800"/>
-              <a:buChar char="•"/>
-              <a:defRPr/>
-            </a:lvl9pPr>
-          </a:lstStyle>
-          <a:p>
-            <a:endParaRPr/>
-          </a:p>
-        </p:txBody>
-      </p:sp>
-      <p:sp>
-        <p:nvSpPr>
-          <p:cNvPr id="75" name="Google Shape;75;p23"/>
-          <p:cNvSpPr txBox="1">
-            <a:spLocks noGrp="1"/>
-          </p:cNvSpPr>
-          <p:nvPr>
-            <p:ph type="dt" idx="10"/>
-          </p:nvPr>
-        </p:nvSpPr>
-        <p:spPr>
-          <a:xfrm>
-            <a:off x="503999" y="5165280"/>
-            <a:ext cx="2348280" cy="390600"/>
-          </a:xfrm>
-          <a:prstGeom prst="rect">
-            <a:avLst/>
-          </a:prstGeom>
-          <a:noFill/>
-          <a:ln>
-            <a:noFill/>
-          </a:ln>
-        </p:spPr>
-        <p:txBody>
-          <a:bodyPr spcFirstLastPara="1" wrap="square" lIns="0" tIns="0" rIns="0" bIns="0" anchor="t" anchorCtr="0">
-            <a:noAutofit/>
-          </a:bodyPr>
-          <a:lstStyle>
-            <a:lvl1pPr lvl="0" algn="l">
-              <a:spcBef>
-                <a:spcPts val="0"/>
-              </a:spcBef>
-              <a:spcAft>
-                <a:spcPts val="0"/>
-              </a:spcAft>
-              <a:buClr>
-                <a:schemeClr val="dk1"/>
-              </a:buClr>
-              <a:buSzPts val="1800"/>
-              <a:buNone/>
-              <a:defRPr/>
-            </a:lvl1pPr>
-            <a:lvl2pPr lvl="1" algn="l">
-              <a:spcBef>
-                <a:spcPts val="0"/>
-              </a:spcBef>
-              <a:spcAft>
-                <a:spcPts val="0"/>
-              </a:spcAft>
-              <a:buSzPts val="1400"/>
-              <a:buNone/>
-              <a:defRPr/>
-            </a:lvl2pPr>
-            <a:lvl3pPr lvl="2" algn="l">
-              <a:spcBef>
-                <a:spcPts val="0"/>
-              </a:spcBef>
-              <a:spcAft>
-                <a:spcPts val="0"/>
-              </a:spcAft>
-              <a:buSzPts val="1400"/>
-              <a:buNone/>
-              <a:defRPr/>
-            </a:lvl3pPr>
-            <a:lvl4pPr lvl="3" algn="l">
-              <a:spcBef>
-                <a:spcPts val="0"/>
-              </a:spcBef>
-              <a:spcAft>
-                <a:spcPts val="0"/>
-              </a:spcAft>
-              <a:buSzPts val="1400"/>
-              <a:buNone/>
-              <a:defRPr/>
-            </a:lvl4pPr>
-            <a:lvl5pPr lvl="4" algn="l">
-              <a:spcBef>
-                <a:spcPts val="0"/>
-              </a:spcBef>
-              <a:spcAft>
-                <a:spcPts val="0"/>
-              </a:spcAft>
-              <a:buSzPts val="1400"/>
-              <a:buNone/>
-              <a:defRPr/>
-            </a:lvl5pPr>
-            <a:lvl6pPr lvl="5" algn="l">
-              <a:spcBef>
-                <a:spcPts val="0"/>
-              </a:spcBef>
-              <a:spcAft>
-                <a:spcPts val="0"/>
-              </a:spcAft>
-              <a:buSzPts val="1400"/>
-              <a:buNone/>
-              <a:defRPr/>
-            </a:lvl6pPr>
-            <a:lvl7pPr lvl="6" algn="l">
-              <a:spcBef>
-                <a:spcPts val="0"/>
-              </a:spcBef>
-              <a:spcAft>
-                <a:spcPts val="0"/>
-              </a:spcAft>
-              <a:buSzPts val="1400"/>
-              <a:buNone/>
-              <a:defRPr/>
-            </a:lvl7pPr>
-            <a:lvl8pPr lvl="7" algn="l">
-              <a:spcBef>
-                <a:spcPts val="0"/>
-              </a:spcBef>
-              <a:spcAft>
-                <a:spcPts val="0"/>
-              </a:spcAft>
-              <a:buSzPts val="1400"/>
-              <a:buNone/>
-              <a:defRPr/>
-            </a:lvl8pPr>
-            <a:lvl9pPr lvl="8" algn="l">
-              <a:spcBef>
-                <a:spcPts val="0"/>
-              </a:spcBef>
-              <a:spcAft>
-                <a:spcPts val="0"/>
-              </a:spcAft>
-              <a:buSzPts val="1400"/>
-              <a:buNone/>
-              <a:defRPr/>
-            </a:lvl9pPr>
-          </a:lstStyle>
-          <a:p>
-            <a:endParaRPr/>
-          </a:p>
-        </p:txBody>
-      </p:sp>
-      <p:sp>
-        <p:nvSpPr>
-          <p:cNvPr id="76" name="Google Shape;76;p23"/>
-          <p:cNvSpPr txBox="1">
-            <a:spLocks noGrp="1"/>
-          </p:cNvSpPr>
-          <p:nvPr>
-            <p:ph type="ftr" idx="11"/>
-          </p:nvPr>
-        </p:nvSpPr>
-        <p:spPr>
-          <a:xfrm>
-            <a:off x="3447360" y="5165280"/>
-            <a:ext cx="3195000" cy="390600"/>
-          </a:xfrm>
-          <a:prstGeom prst="rect">
-            <a:avLst/>
-          </a:prstGeom>
-          <a:noFill/>
-          <a:ln>
-            <a:noFill/>
-          </a:ln>
-        </p:spPr>
-        <p:txBody>
-          <a:bodyPr spcFirstLastPara="1" wrap="square" lIns="0" tIns="0" rIns="0" bIns="0" anchor="t" anchorCtr="0">
-            <a:noAutofit/>
-          </a:bodyPr>
-          <a:lstStyle>
-            <a:lvl1pPr lvl="0" algn="ctr">
-              <a:spcBef>
-                <a:spcPts val="0"/>
-              </a:spcBef>
-              <a:spcAft>
-                <a:spcPts val="0"/>
-              </a:spcAft>
-              <a:buClr>
-                <a:schemeClr val="dk1"/>
-              </a:buClr>
-              <a:buSzPts val="1800"/>
-              <a:buNone/>
-              <a:defRPr/>
-            </a:lvl1pPr>
-            <a:lvl2pPr lvl="1" algn="l">
-              <a:spcBef>
-                <a:spcPts val="0"/>
-              </a:spcBef>
-              <a:spcAft>
-                <a:spcPts val="0"/>
-              </a:spcAft>
-              <a:buSzPts val="1400"/>
-              <a:buNone/>
-              <a:defRPr/>
-            </a:lvl2pPr>
-            <a:lvl3pPr lvl="2" algn="l">
-              <a:spcBef>
-                <a:spcPts val="0"/>
-              </a:spcBef>
-              <a:spcAft>
-                <a:spcPts val="0"/>
-              </a:spcAft>
-              <a:buSzPts val="1400"/>
-              <a:buNone/>
-              <a:defRPr/>
-            </a:lvl3pPr>
-            <a:lvl4pPr lvl="3" algn="l">
-              <a:spcBef>
-                <a:spcPts val="0"/>
-              </a:spcBef>
-              <a:spcAft>
-                <a:spcPts val="0"/>
-              </a:spcAft>
-              <a:buSzPts val="1400"/>
-              <a:buNone/>
-              <a:defRPr/>
-            </a:lvl4pPr>
-            <a:lvl5pPr lvl="4" algn="l">
-              <a:spcBef>
-                <a:spcPts val="0"/>
-              </a:spcBef>
-              <a:spcAft>
-                <a:spcPts val="0"/>
-              </a:spcAft>
-              <a:buSzPts val="1400"/>
-              <a:buNone/>
-              <a:defRPr/>
-            </a:lvl5pPr>
-            <a:lvl6pPr lvl="5" algn="l">
-              <a:spcBef>
-                <a:spcPts val="0"/>
-              </a:spcBef>
-              <a:spcAft>
-                <a:spcPts val="0"/>
-              </a:spcAft>
-              <a:buSzPts val="1400"/>
-              <a:buNone/>
-              <a:defRPr/>
-            </a:lvl6pPr>
-            <a:lvl7pPr lvl="6" algn="l">
-              <a:spcBef>
-                <a:spcPts val="0"/>
-              </a:spcBef>
-              <a:spcAft>
-                <a:spcPts val="0"/>
-              </a:spcAft>
-              <a:buSzPts val="1400"/>
-              <a:buNone/>
-              <a:defRPr/>
-            </a:lvl7pPr>
-            <a:lvl8pPr lvl="7" algn="l">
-              <a:spcBef>
-                <a:spcPts val="0"/>
-              </a:spcBef>
-              <a:spcAft>
-                <a:spcPts val="0"/>
-              </a:spcAft>
-              <a:buSzPts val="1400"/>
-              <a:buNone/>
-              <a:defRPr/>
-            </a:lvl8pPr>
-            <a:lvl9pPr lvl="8" algn="l">
-              <a:spcBef>
-                <a:spcPts val="0"/>
-              </a:spcBef>
-              <a:spcAft>
-                <a:spcPts val="0"/>
-              </a:spcAft>
-              <a:buSzPts val="1400"/>
-              <a:buNone/>
-              <a:defRPr/>
-            </a:lvl9pPr>
-          </a:lstStyle>
-          <a:p>
-            <a:endParaRPr/>
-          </a:p>
-        </p:txBody>
-      </p:sp>
-      <p:sp>
-        <p:nvSpPr>
-          <p:cNvPr id="77" name="Google Shape;77;p23"/>
-          <p:cNvSpPr txBox="1">
-            <a:spLocks noGrp="1"/>
-          </p:cNvSpPr>
-          <p:nvPr>
-            <p:ph type="sldNum" idx="12"/>
-          </p:nvPr>
-        </p:nvSpPr>
-        <p:spPr>
-          <a:xfrm>
-            <a:off x="7227360" y="5165280"/>
-            <a:ext cx="2348280" cy="390600"/>
-          </a:xfrm>
-          <a:prstGeom prst="rect">
-            <a:avLst/>
-          </a:prstGeom>
-          <a:noFill/>
-          <a:ln>
-            <a:noFill/>
-          </a:ln>
-        </p:spPr>
-        <p:txBody>
-          <a:bodyPr spcFirstLastPara="1" wrap="square" lIns="0" tIns="0" rIns="0" bIns="0" anchor="t" anchorCtr="0">
-            <a:noAutofit/>
-          </a:bodyPr>
-          <a:lstStyle>
-            <a:lvl1pPr marL="0" lvl="0" indent="0" algn="r">
-              <a:spcBef>
-                <a:spcPts val="0"/>
-              </a:spcBef>
-              <a:buClr>
-                <a:schemeClr val="dk1"/>
-              </a:buClr>
-              <a:buSzPts val="1400"/>
-              <a:buFont typeface="Arial"/>
-              <a:buNone/>
-              <a:defRPr sz="1400">
-                <a:latin typeface="Arial"/>
-                <a:ea typeface="Arial"/>
-                <a:cs typeface="Arial"/>
-                <a:sym typeface="Arial"/>
-              </a:defRPr>
-            </a:lvl1pPr>
-            <a:lvl2pPr marL="0" lvl="1" indent="0" algn="r">
-              <a:spcBef>
-                <a:spcPts val="0"/>
-              </a:spcBef>
-              <a:buClr>
-                <a:schemeClr val="dk1"/>
-              </a:buClr>
-              <a:buSzPts val="1400"/>
-              <a:buFont typeface="Arial"/>
-              <a:buNone/>
-              <a:defRPr sz="1400">
-                <a:latin typeface="Arial"/>
-                <a:ea typeface="Arial"/>
-                <a:cs typeface="Arial"/>
-                <a:sym typeface="Arial"/>
-              </a:defRPr>
-            </a:lvl2pPr>
-            <a:lvl3pPr marL="0" lvl="2" indent="0" algn="r">
-              <a:spcBef>
-                <a:spcPts val="0"/>
-              </a:spcBef>
-              <a:buClr>
-                <a:schemeClr val="dk1"/>
-              </a:buClr>
-              <a:buSzPts val="1400"/>
-              <a:buFont typeface="Arial"/>
-              <a:buNone/>
-              <a:defRPr sz="1400">
-                <a:latin typeface="Arial"/>
-                <a:ea typeface="Arial"/>
-                <a:cs typeface="Arial"/>
-                <a:sym typeface="Arial"/>
-              </a:defRPr>
-            </a:lvl3pPr>
-            <a:lvl4pPr marL="0" lvl="3" indent="0" algn="r">
-              <a:spcBef>
-                <a:spcPts val="0"/>
-              </a:spcBef>
-              <a:buClr>
-                <a:schemeClr val="dk1"/>
-              </a:buClr>
-              <a:buSzPts val="1400"/>
-              <a:buFont typeface="Arial"/>
-              <a:buNone/>
-              <a:defRPr sz="1400">
-                <a:latin typeface="Arial"/>
-                <a:ea typeface="Arial"/>
-                <a:cs typeface="Arial"/>
-                <a:sym typeface="Arial"/>
-              </a:defRPr>
-            </a:lvl4pPr>
-            <a:lvl5pPr marL="0" lvl="4" indent="0" algn="r">
-              <a:spcBef>
-                <a:spcPts val="0"/>
-              </a:spcBef>
-              <a:buClr>
-                <a:schemeClr val="dk1"/>
-              </a:buClr>
-              <a:buSzPts val="1400"/>
-              <a:buFont typeface="Arial"/>
-              <a:buNone/>
-              <a:defRPr sz="1400">
-                <a:latin typeface="Arial"/>
-                <a:ea typeface="Arial"/>
-                <a:cs typeface="Arial"/>
-                <a:sym typeface="Arial"/>
-              </a:defRPr>
-            </a:lvl5pPr>
-            <a:lvl6pPr marL="0" lvl="5" indent="0" algn="r">
-              <a:spcBef>
-                <a:spcPts val="0"/>
-              </a:spcBef>
-              <a:buClr>
-                <a:schemeClr val="dk1"/>
-              </a:buClr>
-              <a:buSzPts val="1400"/>
-              <a:buFont typeface="Arial"/>
-              <a:buNone/>
-              <a:defRPr sz="1400">
-                <a:latin typeface="Arial"/>
-                <a:ea typeface="Arial"/>
-                <a:cs typeface="Arial"/>
-                <a:sym typeface="Arial"/>
-              </a:defRPr>
-            </a:lvl6pPr>
-            <a:lvl7pPr marL="0" lvl="6" indent="0" algn="r">
-              <a:spcBef>
-                <a:spcPts val="0"/>
-              </a:spcBef>
-              <a:buClr>
-                <a:schemeClr val="dk1"/>
-              </a:buClr>
-              <a:buSzPts val="1400"/>
-              <a:buFont typeface="Arial"/>
-              <a:buNone/>
-              <a:defRPr sz="1400">
-                <a:latin typeface="Arial"/>
-                <a:ea typeface="Arial"/>
-                <a:cs typeface="Arial"/>
-                <a:sym typeface="Arial"/>
-              </a:defRPr>
-            </a:lvl7pPr>
-            <a:lvl8pPr marL="0" lvl="7" indent="0" algn="r">
-              <a:spcBef>
-                <a:spcPts val="0"/>
-              </a:spcBef>
-              <a:buClr>
-                <a:schemeClr val="dk1"/>
-              </a:buClr>
-              <a:buSzPts val="1400"/>
-              <a:buFont typeface="Arial"/>
-              <a:buNone/>
-              <a:defRPr sz="1400">
-                <a:latin typeface="Arial"/>
-                <a:ea typeface="Arial"/>
-                <a:cs typeface="Arial"/>
-                <a:sym typeface="Arial"/>
-              </a:defRPr>
-            </a:lvl8pPr>
-            <a:lvl9pPr marL="0" lvl="8" indent="0" algn="r">
-              <a:spcBef>
-                <a:spcPts val="0"/>
-              </a:spcBef>
-              <a:buClr>
-                <a:schemeClr val="dk1"/>
-              </a:buClr>
-              <a:buSzPts val="1400"/>
-              <a:buFont typeface="Arial"/>
-              <a:buNone/>
-              <a:defRPr sz="1400">
-                <a:latin typeface="Arial"/>
-                <a:ea typeface="Arial"/>
-                <a:cs typeface="Arial"/>
-                <a:sym typeface="Arial"/>
-              </a:defRPr>
-            </a:lvl9pPr>
-          </a:lstStyle>
-          <a:p>
-            <a:pPr marL="0" lvl="0" indent="0" algn="r" rtl="0">
-              <a:spcBef>
-                <a:spcPts val="0"/>
-              </a:spcBef>
-              <a:spcAft>
-                <a:spcPts val="0"/>
-              </a:spcAft>
-              <a:buNone/>
-            </a:pPr>
-            <a:fld id="{00000000-1234-1234-1234-123412341234}" type="slidenum">
-              <a:rPr lang="en-US"/>
-              <a:t>‹#›</a:t>
-            </a:fld>
-            <a:endParaRPr/>
-          </a:p>
-        </p:txBody>
-      </p:sp>
-    </p:spTree>
-  </p:cSld>
-  <p:clrMapOvr>
-    <a:masterClrMapping/>
-  </p:clrMapOvr>
-</p:sldLayout>
-</file>
-
-<file path=ppt/slideLayouts/slideLayout11.xml><?xml version="1.0" encoding="utf-8"?>
 <p:sldLayout xmlns:a="http://schemas.openxmlformats.org/drawingml/2006/main" xmlns:r="http://schemas.openxmlformats.org/officeDocument/2006/relationships" xmlns:p="http://schemas.openxmlformats.org/presentationml/2006/main" matchingName="Vertical Title and Text" type="vertTitleAndTx">
   <p:cSld name="VERTICAL_TITLE_AND_VERTICAL_TEXT">
     <p:spTree>
@@ -6508,817 +5704,6 @@
 </file>
 
 <file path=ppt/slideLayouts/slideLayout3.xml><?xml version="1.0" encoding="utf-8"?>
-<p:sldLayout xmlns:a="http://schemas.openxmlformats.org/drawingml/2006/main" xmlns:r="http://schemas.openxmlformats.org/officeDocument/2006/relationships" xmlns:p="http://schemas.openxmlformats.org/presentationml/2006/main" matchingName="Title and Content" type="obj">
-  <p:cSld name="OBJECT">
-    <p:spTree>
-      <p:nvGrpSpPr>
-        <p:cNvPr id="1" name="Shape 25"/>
-        <p:cNvGrpSpPr/>
-        <p:nvPr/>
-      </p:nvGrpSpPr>
-      <p:grpSpPr>
-        <a:xfrm>
-          <a:off x="0" y="0"/>
-          <a:ext cx="0" cy="0"/>
-          <a:chOff x="0" y="0"/>
-          <a:chExt cx="0" cy="0"/>
-        </a:xfrm>
-      </p:grpSpPr>
-      <p:sp>
-        <p:nvSpPr>
-          <p:cNvPr id="26" name="Google Shape;26;p16"/>
-          <p:cNvSpPr txBox="1">
-            <a:spLocks noGrp="1"/>
-          </p:cNvSpPr>
-          <p:nvPr>
-            <p:ph type="title"/>
-          </p:nvPr>
-        </p:nvSpPr>
-        <p:spPr>
-          <a:xfrm>
-            <a:off x="503999" y="226080"/>
-            <a:ext cx="9071640" cy="946440"/>
-          </a:xfrm>
-          <a:prstGeom prst="rect">
-            <a:avLst/>
-          </a:prstGeom>
-          <a:noFill/>
-          <a:ln>
-            <a:noFill/>
-          </a:ln>
-        </p:spPr>
-        <p:txBody>
-          <a:bodyPr spcFirstLastPara="1" wrap="square" lIns="0" tIns="0" rIns="0" bIns="0" anchor="ctr" anchorCtr="0">
-            <a:noAutofit/>
-          </a:bodyPr>
-          <a:lstStyle>
-            <a:lvl1pPr lvl="0" algn="ctr">
-              <a:spcBef>
-                <a:spcPts val="0"/>
-              </a:spcBef>
-              <a:spcAft>
-                <a:spcPts val="0"/>
-              </a:spcAft>
-              <a:buSzPts val="1400"/>
-              <a:buNone/>
-              <a:defRPr/>
-            </a:lvl1pPr>
-            <a:lvl2pPr lvl="1">
-              <a:spcBef>
-                <a:spcPts val="0"/>
-              </a:spcBef>
-              <a:spcAft>
-                <a:spcPts val="0"/>
-              </a:spcAft>
-              <a:buSzPts val="1400"/>
-              <a:buNone/>
-              <a:defRPr/>
-            </a:lvl2pPr>
-            <a:lvl3pPr lvl="2">
-              <a:spcBef>
-                <a:spcPts val="0"/>
-              </a:spcBef>
-              <a:spcAft>
-                <a:spcPts val="0"/>
-              </a:spcAft>
-              <a:buSzPts val="1400"/>
-              <a:buNone/>
-              <a:defRPr/>
-            </a:lvl3pPr>
-            <a:lvl4pPr lvl="3">
-              <a:spcBef>
-                <a:spcPts val="0"/>
-              </a:spcBef>
-              <a:spcAft>
-                <a:spcPts val="0"/>
-              </a:spcAft>
-              <a:buSzPts val="1400"/>
-              <a:buNone/>
-              <a:defRPr/>
-            </a:lvl4pPr>
-            <a:lvl5pPr lvl="4">
-              <a:spcBef>
-                <a:spcPts val="0"/>
-              </a:spcBef>
-              <a:spcAft>
-                <a:spcPts val="0"/>
-              </a:spcAft>
-              <a:buSzPts val="1400"/>
-              <a:buNone/>
-              <a:defRPr/>
-            </a:lvl5pPr>
-            <a:lvl6pPr lvl="5">
-              <a:spcBef>
-                <a:spcPts val="0"/>
-              </a:spcBef>
-              <a:spcAft>
-                <a:spcPts val="0"/>
-              </a:spcAft>
-              <a:buSzPts val="1400"/>
-              <a:buNone/>
-              <a:defRPr/>
-            </a:lvl6pPr>
-            <a:lvl7pPr lvl="6">
-              <a:spcBef>
-                <a:spcPts val="0"/>
-              </a:spcBef>
-              <a:spcAft>
-                <a:spcPts val="0"/>
-              </a:spcAft>
-              <a:buSzPts val="1400"/>
-              <a:buNone/>
-              <a:defRPr/>
-            </a:lvl7pPr>
-            <a:lvl8pPr lvl="7">
-              <a:spcBef>
-                <a:spcPts val="0"/>
-              </a:spcBef>
-              <a:spcAft>
-                <a:spcPts val="0"/>
-              </a:spcAft>
-              <a:buSzPts val="1400"/>
-              <a:buNone/>
-              <a:defRPr/>
-            </a:lvl8pPr>
-            <a:lvl9pPr lvl="8">
-              <a:spcBef>
-                <a:spcPts val="0"/>
-              </a:spcBef>
-              <a:spcAft>
-                <a:spcPts val="0"/>
-              </a:spcAft>
-              <a:buSzPts val="1400"/>
-              <a:buNone/>
-              <a:defRPr/>
-            </a:lvl9pPr>
-          </a:lstStyle>
-          <a:p>
-            <a:endParaRPr/>
-          </a:p>
-        </p:txBody>
-      </p:sp>
-      <p:sp>
-        <p:nvSpPr>
-          <p:cNvPr id="27" name="Google Shape;27;p16"/>
-          <p:cNvSpPr txBox="1">
-            <a:spLocks noGrp="1"/>
-          </p:cNvSpPr>
-          <p:nvPr>
-            <p:ph type="body" idx="1"/>
-          </p:nvPr>
-        </p:nvSpPr>
-        <p:spPr>
-          <a:xfrm>
-            <a:off x="503999" y="1326600"/>
-            <a:ext cx="9071640" cy="3288239"/>
-          </a:xfrm>
-          <a:prstGeom prst="rect">
-            <a:avLst/>
-          </a:prstGeom>
-          <a:noFill/>
-          <a:ln>
-            <a:noFill/>
-          </a:ln>
-        </p:spPr>
-        <p:txBody>
-          <a:bodyPr spcFirstLastPara="1" wrap="square" lIns="0" tIns="0" rIns="0" bIns="0" anchor="t" anchorCtr="0">
-            <a:normAutofit/>
-          </a:bodyPr>
-          <a:lstStyle>
-            <a:lvl1pPr marL="457200" lvl="0" indent="-228600" algn="l">
-              <a:spcBef>
-                <a:spcPts val="1417"/>
-              </a:spcBef>
-              <a:spcAft>
-                <a:spcPts val="0"/>
-              </a:spcAft>
-              <a:buSzPts val="1400"/>
-              <a:buNone/>
-              <a:defRPr/>
-            </a:lvl1pPr>
-            <a:lvl2pPr marL="914400" lvl="1" indent="-342900" algn="l">
-              <a:lnSpc>
-                <a:spcPct val="90000"/>
-              </a:lnSpc>
-              <a:spcBef>
-                <a:spcPts val="500"/>
-              </a:spcBef>
-              <a:spcAft>
-                <a:spcPts val="0"/>
-              </a:spcAft>
-              <a:buClr>
-                <a:schemeClr val="dk1"/>
-              </a:buClr>
-              <a:buSzPts val="1800"/>
-              <a:buChar char="•"/>
-              <a:defRPr/>
-            </a:lvl2pPr>
-            <a:lvl3pPr marL="1371600" lvl="2" indent="-342900" algn="l">
-              <a:lnSpc>
-                <a:spcPct val="90000"/>
-              </a:lnSpc>
-              <a:spcBef>
-                <a:spcPts val="500"/>
-              </a:spcBef>
-              <a:spcAft>
-                <a:spcPts val="0"/>
-              </a:spcAft>
-              <a:buClr>
-                <a:schemeClr val="dk1"/>
-              </a:buClr>
-              <a:buSzPts val="1800"/>
-              <a:buChar char="•"/>
-              <a:defRPr/>
-            </a:lvl3pPr>
-            <a:lvl4pPr marL="1828800" lvl="3" indent="-342900" algn="l">
-              <a:lnSpc>
-                <a:spcPct val="90000"/>
-              </a:lnSpc>
-              <a:spcBef>
-                <a:spcPts val="500"/>
-              </a:spcBef>
-              <a:spcAft>
-                <a:spcPts val="0"/>
-              </a:spcAft>
-              <a:buClr>
-                <a:schemeClr val="dk1"/>
-              </a:buClr>
-              <a:buSzPts val="1800"/>
-              <a:buChar char="•"/>
-              <a:defRPr/>
-            </a:lvl4pPr>
-            <a:lvl5pPr marL="2286000" lvl="4" indent="-342900" algn="l">
-              <a:lnSpc>
-                <a:spcPct val="90000"/>
-              </a:lnSpc>
-              <a:spcBef>
-                <a:spcPts val="500"/>
-              </a:spcBef>
-              <a:spcAft>
-                <a:spcPts val="0"/>
-              </a:spcAft>
-              <a:buClr>
-                <a:schemeClr val="dk1"/>
-              </a:buClr>
-              <a:buSzPts val="1800"/>
-              <a:buChar char="•"/>
-              <a:defRPr/>
-            </a:lvl5pPr>
-            <a:lvl6pPr marL="2743200" lvl="5" indent="-342900" algn="l">
-              <a:lnSpc>
-                <a:spcPct val="90000"/>
-              </a:lnSpc>
-              <a:spcBef>
-                <a:spcPts val="500"/>
-              </a:spcBef>
-              <a:spcAft>
-                <a:spcPts val="0"/>
-              </a:spcAft>
-              <a:buClr>
-                <a:schemeClr val="dk1"/>
-              </a:buClr>
-              <a:buSzPts val="1800"/>
-              <a:buChar char="•"/>
-              <a:defRPr/>
-            </a:lvl6pPr>
-            <a:lvl7pPr marL="3200400" lvl="6" indent="-342900" algn="l">
-              <a:lnSpc>
-                <a:spcPct val="90000"/>
-              </a:lnSpc>
-              <a:spcBef>
-                <a:spcPts val="500"/>
-              </a:spcBef>
-              <a:spcAft>
-                <a:spcPts val="0"/>
-              </a:spcAft>
-              <a:buClr>
-                <a:schemeClr val="dk1"/>
-              </a:buClr>
-              <a:buSzPts val="1800"/>
-              <a:buChar char="•"/>
-              <a:defRPr/>
-            </a:lvl7pPr>
-            <a:lvl8pPr marL="3657600" lvl="7" indent="-342900" algn="l">
-              <a:lnSpc>
-                <a:spcPct val="90000"/>
-              </a:lnSpc>
-              <a:spcBef>
-                <a:spcPts val="500"/>
-              </a:spcBef>
-              <a:spcAft>
-                <a:spcPts val="0"/>
-              </a:spcAft>
-              <a:buClr>
-                <a:schemeClr val="dk1"/>
-              </a:buClr>
-              <a:buSzPts val="1800"/>
-              <a:buChar char="•"/>
-              <a:defRPr/>
-            </a:lvl8pPr>
-            <a:lvl9pPr marL="4114800" lvl="8" indent="-342900" algn="l">
-              <a:lnSpc>
-                <a:spcPct val="90000"/>
-              </a:lnSpc>
-              <a:spcBef>
-                <a:spcPts val="500"/>
-              </a:spcBef>
-              <a:spcAft>
-                <a:spcPts val="0"/>
-              </a:spcAft>
-              <a:buClr>
-                <a:schemeClr val="dk1"/>
-              </a:buClr>
-              <a:buSzPts val="1800"/>
-              <a:buChar char="•"/>
-              <a:defRPr/>
-            </a:lvl9pPr>
-          </a:lstStyle>
-          <a:p>
-            <a:endParaRPr/>
-          </a:p>
-        </p:txBody>
-      </p:sp>
-      <p:sp>
-        <p:nvSpPr>
-          <p:cNvPr id="28" name="Google Shape;28;p16"/>
-          <p:cNvSpPr txBox="1">
-            <a:spLocks noGrp="1"/>
-          </p:cNvSpPr>
-          <p:nvPr>
-            <p:ph type="dt" idx="10"/>
-          </p:nvPr>
-        </p:nvSpPr>
-        <p:spPr>
-          <a:xfrm>
-            <a:off x="503999" y="5165280"/>
-            <a:ext cx="2348280" cy="390600"/>
-          </a:xfrm>
-          <a:prstGeom prst="rect">
-            <a:avLst/>
-          </a:prstGeom>
-          <a:noFill/>
-          <a:ln>
-            <a:noFill/>
-          </a:ln>
-        </p:spPr>
-        <p:txBody>
-          <a:bodyPr spcFirstLastPara="1" wrap="square" lIns="0" tIns="0" rIns="0" bIns="0" anchor="t" anchorCtr="0">
-            <a:noAutofit/>
-          </a:bodyPr>
-          <a:lstStyle>
-            <a:lvl1pPr lvl="0" algn="l">
-              <a:spcBef>
-                <a:spcPts val="0"/>
-              </a:spcBef>
-              <a:spcAft>
-                <a:spcPts val="0"/>
-              </a:spcAft>
-              <a:buClr>
-                <a:schemeClr val="dk1"/>
-              </a:buClr>
-              <a:buSzPts val="1800"/>
-              <a:buNone/>
-              <a:defRPr/>
-            </a:lvl1pPr>
-            <a:lvl2pPr lvl="1" algn="l">
-              <a:spcBef>
-                <a:spcPts val="0"/>
-              </a:spcBef>
-              <a:spcAft>
-                <a:spcPts val="0"/>
-              </a:spcAft>
-              <a:buSzPts val="1400"/>
-              <a:buNone/>
-              <a:defRPr/>
-            </a:lvl2pPr>
-            <a:lvl3pPr lvl="2" algn="l">
-              <a:spcBef>
-                <a:spcPts val="0"/>
-              </a:spcBef>
-              <a:spcAft>
-                <a:spcPts val="0"/>
-              </a:spcAft>
-              <a:buSzPts val="1400"/>
-              <a:buNone/>
-              <a:defRPr/>
-            </a:lvl3pPr>
-            <a:lvl4pPr lvl="3" algn="l">
-              <a:spcBef>
-                <a:spcPts val="0"/>
-              </a:spcBef>
-              <a:spcAft>
-                <a:spcPts val="0"/>
-              </a:spcAft>
-              <a:buSzPts val="1400"/>
-              <a:buNone/>
-              <a:defRPr/>
-            </a:lvl4pPr>
-            <a:lvl5pPr lvl="4" algn="l">
-              <a:spcBef>
-                <a:spcPts val="0"/>
-              </a:spcBef>
-              <a:spcAft>
-                <a:spcPts val="0"/>
-              </a:spcAft>
-              <a:buSzPts val="1400"/>
-              <a:buNone/>
-              <a:defRPr/>
-            </a:lvl5pPr>
-            <a:lvl6pPr lvl="5" algn="l">
-              <a:spcBef>
-                <a:spcPts val="0"/>
-              </a:spcBef>
-              <a:spcAft>
-                <a:spcPts val="0"/>
-              </a:spcAft>
-              <a:buSzPts val="1400"/>
-              <a:buNone/>
-              <a:defRPr/>
-            </a:lvl6pPr>
-            <a:lvl7pPr lvl="6" algn="l">
-              <a:spcBef>
-                <a:spcPts val="0"/>
-              </a:spcBef>
-              <a:spcAft>
-                <a:spcPts val="0"/>
-              </a:spcAft>
-              <a:buSzPts val="1400"/>
-              <a:buNone/>
-              <a:defRPr/>
-            </a:lvl7pPr>
-            <a:lvl8pPr lvl="7" algn="l">
-              <a:spcBef>
-                <a:spcPts val="0"/>
-              </a:spcBef>
-              <a:spcAft>
-                <a:spcPts val="0"/>
-              </a:spcAft>
-              <a:buSzPts val="1400"/>
-              <a:buNone/>
-              <a:defRPr/>
-            </a:lvl8pPr>
-            <a:lvl9pPr lvl="8" algn="l">
-              <a:spcBef>
-                <a:spcPts val="0"/>
-              </a:spcBef>
-              <a:spcAft>
-                <a:spcPts val="0"/>
-              </a:spcAft>
-              <a:buSzPts val="1400"/>
-              <a:buNone/>
-              <a:defRPr/>
-            </a:lvl9pPr>
-          </a:lstStyle>
-          <a:p>
-            <a:endParaRPr/>
-          </a:p>
-        </p:txBody>
-      </p:sp>
-      <p:sp>
-        <p:nvSpPr>
-          <p:cNvPr id="29" name="Google Shape;29;p16"/>
-          <p:cNvSpPr txBox="1">
-            <a:spLocks noGrp="1"/>
-          </p:cNvSpPr>
-          <p:nvPr>
-            <p:ph type="ftr" idx="11"/>
-          </p:nvPr>
-        </p:nvSpPr>
-        <p:spPr>
-          <a:xfrm>
-            <a:off x="3447360" y="5165280"/>
-            <a:ext cx="3195000" cy="390600"/>
-          </a:xfrm>
-          <a:prstGeom prst="rect">
-            <a:avLst/>
-          </a:prstGeom>
-          <a:noFill/>
-          <a:ln>
-            <a:noFill/>
-          </a:ln>
-        </p:spPr>
-        <p:txBody>
-          <a:bodyPr spcFirstLastPara="1" wrap="square" lIns="0" tIns="0" rIns="0" bIns="0" anchor="t" anchorCtr="0">
-            <a:noAutofit/>
-          </a:bodyPr>
-          <a:lstStyle>
-            <a:lvl1pPr lvl="0" algn="ctr">
-              <a:spcBef>
-                <a:spcPts val="0"/>
-              </a:spcBef>
-              <a:spcAft>
-                <a:spcPts val="0"/>
-              </a:spcAft>
-              <a:buClr>
-                <a:schemeClr val="dk1"/>
-              </a:buClr>
-              <a:buSzPts val="1800"/>
-              <a:buNone/>
-              <a:defRPr/>
-            </a:lvl1pPr>
-            <a:lvl2pPr lvl="1" algn="l">
-              <a:spcBef>
-                <a:spcPts val="0"/>
-              </a:spcBef>
-              <a:spcAft>
-                <a:spcPts val="0"/>
-              </a:spcAft>
-              <a:buSzPts val="1400"/>
-              <a:buNone/>
-              <a:defRPr/>
-            </a:lvl2pPr>
-            <a:lvl3pPr lvl="2" algn="l">
-              <a:spcBef>
-                <a:spcPts val="0"/>
-              </a:spcBef>
-              <a:spcAft>
-                <a:spcPts val="0"/>
-              </a:spcAft>
-              <a:buSzPts val="1400"/>
-              <a:buNone/>
-              <a:defRPr/>
-            </a:lvl3pPr>
-            <a:lvl4pPr lvl="3" algn="l">
-              <a:spcBef>
-                <a:spcPts val="0"/>
-              </a:spcBef>
-              <a:spcAft>
-                <a:spcPts val="0"/>
-              </a:spcAft>
-              <a:buSzPts val="1400"/>
-              <a:buNone/>
-              <a:defRPr/>
-            </a:lvl4pPr>
-            <a:lvl5pPr lvl="4" algn="l">
-              <a:spcBef>
-                <a:spcPts val="0"/>
-              </a:spcBef>
-              <a:spcAft>
-                <a:spcPts val="0"/>
-              </a:spcAft>
-              <a:buSzPts val="1400"/>
-              <a:buNone/>
-              <a:defRPr/>
-            </a:lvl5pPr>
-            <a:lvl6pPr lvl="5" algn="l">
-              <a:spcBef>
-                <a:spcPts val="0"/>
-              </a:spcBef>
-              <a:spcAft>
-                <a:spcPts val="0"/>
-              </a:spcAft>
-              <a:buSzPts val="1400"/>
-              <a:buNone/>
-              <a:defRPr/>
-            </a:lvl6pPr>
-            <a:lvl7pPr lvl="6" algn="l">
-              <a:spcBef>
-                <a:spcPts val="0"/>
-              </a:spcBef>
-              <a:spcAft>
-                <a:spcPts val="0"/>
-              </a:spcAft>
-              <a:buSzPts val="1400"/>
-              <a:buNone/>
-              <a:defRPr/>
-            </a:lvl7pPr>
-            <a:lvl8pPr lvl="7" algn="l">
-              <a:spcBef>
-                <a:spcPts val="0"/>
-              </a:spcBef>
-              <a:spcAft>
-                <a:spcPts val="0"/>
-              </a:spcAft>
-              <a:buSzPts val="1400"/>
-              <a:buNone/>
-              <a:defRPr/>
-            </a:lvl8pPr>
-            <a:lvl9pPr lvl="8" algn="l">
-              <a:spcBef>
-                <a:spcPts val="0"/>
-              </a:spcBef>
-              <a:spcAft>
-                <a:spcPts val="0"/>
-              </a:spcAft>
-              <a:buSzPts val="1400"/>
-              <a:buNone/>
-              <a:defRPr/>
-            </a:lvl9pPr>
-          </a:lstStyle>
-          <a:p>
-            <a:endParaRPr/>
-          </a:p>
-        </p:txBody>
-      </p:sp>
-      <p:sp>
-        <p:nvSpPr>
-          <p:cNvPr id="30" name="Google Shape;30;p16"/>
-          <p:cNvSpPr txBox="1">
-            <a:spLocks noGrp="1"/>
-          </p:cNvSpPr>
-          <p:nvPr>
-            <p:ph type="sldNum" idx="12"/>
-          </p:nvPr>
-        </p:nvSpPr>
-        <p:spPr>
-          <a:xfrm>
-            <a:off x="7227360" y="5165280"/>
-            <a:ext cx="2348280" cy="390600"/>
-          </a:xfrm>
-          <a:prstGeom prst="rect">
-            <a:avLst/>
-          </a:prstGeom>
-          <a:noFill/>
-          <a:ln>
-            <a:noFill/>
-          </a:ln>
-        </p:spPr>
-        <p:txBody>
-          <a:bodyPr spcFirstLastPara="1" wrap="square" lIns="0" tIns="0" rIns="0" bIns="0" anchor="t" anchorCtr="0">
-            <a:noAutofit/>
-          </a:bodyPr>
-          <a:lstStyle>
-            <a:lvl1pPr marL="0" lvl="0" indent="0" algn="r">
-              <a:spcBef>
-                <a:spcPts val="0"/>
-              </a:spcBef>
-              <a:buClr>
-                <a:schemeClr val="dk1"/>
-              </a:buClr>
-              <a:buSzPts val="1400"/>
-              <a:buFont typeface="Arial"/>
-              <a:buNone/>
-              <a:defRPr sz="1400">
-                <a:latin typeface="Arial"/>
-                <a:ea typeface="Arial"/>
-                <a:cs typeface="Arial"/>
-                <a:sym typeface="Arial"/>
-              </a:defRPr>
-            </a:lvl1pPr>
-            <a:lvl2pPr marL="0" lvl="1" indent="0" algn="r">
-              <a:spcBef>
-                <a:spcPts val="0"/>
-              </a:spcBef>
-              <a:buClr>
-                <a:schemeClr val="dk1"/>
-              </a:buClr>
-              <a:buSzPts val="1400"/>
-              <a:buFont typeface="Arial"/>
-              <a:buNone/>
-              <a:defRPr sz="1400">
-                <a:latin typeface="Arial"/>
-                <a:ea typeface="Arial"/>
-                <a:cs typeface="Arial"/>
-                <a:sym typeface="Arial"/>
-              </a:defRPr>
-            </a:lvl2pPr>
-            <a:lvl3pPr marL="0" lvl="2" indent="0" algn="r">
-              <a:spcBef>
-                <a:spcPts val="0"/>
-              </a:spcBef>
-              <a:buClr>
-                <a:schemeClr val="dk1"/>
-              </a:buClr>
-              <a:buSzPts val="1400"/>
-              <a:buFont typeface="Arial"/>
-              <a:buNone/>
-              <a:defRPr sz="1400">
-                <a:latin typeface="Arial"/>
-                <a:ea typeface="Arial"/>
-                <a:cs typeface="Arial"/>
-                <a:sym typeface="Arial"/>
-              </a:defRPr>
-            </a:lvl3pPr>
-            <a:lvl4pPr marL="0" lvl="3" indent="0" algn="r">
-              <a:spcBef>
-                <a:spcPts val="0"/>
-              </a:spcBef>
-              <a:buClr>
-                <a:schemeClr val="dk1"/>
-              </a:buClr>
-              <a:buSzPts val="1400"/>
-              <a:buFont typeface="Arial"/>
-              <a:buNone/>
-              <a:defRPr sz="1400">
-                <a:latin typeface="Arial"/>
-                <a:ea typeface="Arial"/>
-                <a:cs typeface="Arial"/>
-                <a:sym typeface="Arial"/>
-              </a:defRPr>
-            </a:lvl4pPr>
-            <a:lvl5pPr marL="0" lvl="4" indent="0" algn="r">
-              <a:spcBef>
-                <a:spcPts val="0"/>
-              </a:spcBef>
-              <a:buClr>
-                <a:schemeClr val="dk1"/>
-              </a:buClr>
-              <a:buSzPts val="1400"/>
-              <a:buFont typeface="Arial"/>
-              <a:buNone/>
-              <a:defRPr sz="1400">
-                <a:latin typeface="Arial"/>
-                <a:ea typeface="Arial"/>
-                <a:cs typeface="Arial"/>
-                <a:sym typeface="Arial"/>
-              </a:defRPr>
-            </a:lvl5pPr>
-            <a:lvl6pPr marL="0" lvl="5" indent="0" algn="r">
-              <a:spcBef>
-                <a:spcPts val="0"/>
-              </a:spcBef>
-              <a:buClr>
-                <a:schemeClr val="dk1"/>
-              </a:buClr>
-              <a:buSzPts val="1400"/>
-              <a:buFont typeface="Arial"/>
-              <a:buNone/>
-              <a:defRPr sz="1400">
-                <a:latin typeface="Arial"/>
-                <a:ea typeface="Arial"/>
-                <a:cs typeface="Arial"/>
-                <a:sym typeface="Arial"/>
-              </a:defRPr>
-            </a:lvl6pPr>
-            <a:lvl7pPr marL="0" lvl="6" indent="0" algn="r">
-              <a:spcBef>
-                <a:spcPts val="0"/>
-              </a:spcBef>
-              <a:buClr>
-                <a:schemeClr val="dk1"/>
-              </a:buClr>
-              <a:buSzPts val="1400"/>
-              <a:buFont typeface="Arial"/>
-              <a:buNone/>
-              <a:defRPr sz="1400">
-                <a:latin typeface="Arial"/>
-                <a:ea typeface="Arial"/>
-                <a:cs typeface="Arial"/>
-                <a:sym typeface="Arial"/>
-              </a:defRPr>
-            </a:lvl7pPr>
-            <a:lvl8pPr marL="0" lvl="7" indent="0" algn="r">
-              <a:spcBef>
-                <a:spcPts val="0"/>
-              </a:spcBef>
-              <a:buClr>
-                <a:schemeClr val="dk1"/>
-              </a:buClr>
-              <a:buSzPts val="1400"/>
-              <a:buFont typeface="Arial"/>
-              <a:buNone/>
-              <a:defRPr sz="1400">
-                <a:latin typeface="Arial"/>
-                <a:ea typeface="Arial"/>
-                <a:cs typeface="Arial"/>
-                <a:sym typeface="Arial"/>
-              </a:defRPr>
-            </a:lvl8pPr>
-            <a:lvl9pPr marL="0" lvl="8" indent="0" algn="r">
-              <a:spcBef>
-                <a:spcPts val="0"/>
-              </a:spcBef>
-              <a:buClr>
-                <a:schemeClr val="dk1"/>
-              </a:buClr>
-              <a:buSzPts val="1400"/>
-              <a:buFont typeface="Arial"/>
-              <a:buNone/>
-              <a:defRPr sz="1400">
-                <a:latin typeface="Arial"/>
-                <a:ea typeface="Arial"/>
-                <a:cs typeface="Arial"/>
-                <a:sym typeface="Arial"/>
-              </a:defRPr>
-            </a:lvl9pPr>
-          </a:lstStyle>
-          <a:p>
-            <a:pPr marL="0" lvl="0" indent="0" algn="r" rtl="0">
-              <a:spcBef>
-                <a:spcPts val="0"/>
-              </a:spcBef>
-              <a:spcAft>
-                <a:spcPts val="0"/>
-              </a:spcAft>
-              <a:buNone/>
-            </a:pPr>
-            <a:fld id="{00000000-1234-1234-1234-123412341234}" type="slidenum">
-              <a:rPr lang="en-US"/>
-              <a:t>‹#›</a:t>
-            </a:fld>
-            <a:endParaRPr/>
-          </a:p>
-        </p:txBody>
-      </p:sp>
-    </p:spTree>
-  </p:cSld>
-  <p:clrMapOvr>
-    <a:masterClrMapping/>
-  </p:clrMapOvr>
-</p:sldLayout>
-</file>
-
-<file path=ppt/slideLayouts/slideLayout4.xml><?xml version="1.0" encoding="utf-8"?>
 <p:sldLayout xmlns:a="http://schemas.openxmlformats.org/drawingml/2006/main" xmlns:r="http://schemas.openxmlformats.org/officeDocument/2006/relationships" xmlns:p="http://schemas.openxmlformats.org/presentationml/2006/main" matchingName="Section Header" type="secHead">
   <p:cSld name="SECTION_HEADER">
     <p:spTree>
@@ -8169,7 +6554,7 @@
 </p:sldLayout>
 </file>
 
-<file path=ppt/slideLayouts/slideLayout5.xml><?xml version="1.0" encoding="utf-8"?>
+<file path=ppt/slideLayouts/slideLayout4.xml><?xml version="1.0" encoding="utf-8"?>
 <p:sldLayout xmlns:a="http://schemas.openxmlformats.org/drawingml/2006/main" xmlns:r="http://schemas.openxmlformats.org/officeDocument/2006/relationships" xmlns:p="http://schemas.openxmlformats.org/presentationml/2006/main" matchingName="Two Content" type="twoObj">
   <p:cSld name="TWO_OBJECTS">
     <p:spTree>
@@ -9161,7 +7546,7 @@
 </p:sldLayout>
 </file>
 
-<file path=ppt/slideLayouts/slideLayout6.xml><?xml version="1.0" encoding="utf-8"?>
+<file path=ppt/slideLayouts/slideLayout5.xml><?xml version="1.0" encoding="utf-8"?>
 <p:sldLayout xmlns:a="http://schemas.openxmlformats.org/drawingml/2006/main" xmlns:r="http://schemas.openxmlformats.org/officeDocument/2006/relationships" xmlns:p="http://schemas.openxmlformats.org/presentationml/2006/main" matchingName="Comparison" type="twoTxTwoObj">
   <p:cSld name="TWO_OBJECTS_WITH_TEXT">
     <p:spTree>
@@ -10517,7 +8902,7 @@
 </p:sldLayout>
 </file>
 
-<file path=ppt/slideLayouts/slideLayout7.xml><?xml version="1.0" encoding="utf-8"?>
+<file path=ppt/slideLayouts/slideLayout6.xml><?xml version="1.0" encoding="utf-8"?>
 <p:sldLayout xmlns:a="http://schemas.openxmlformats.org/drawingml/2006/main" xmlns:r="http://schemas.openxmlformats.org/officeDocument/2006/relationships" xmlns:p="http://schemas.openxmlformats.org/presentationml/2006/main" matchingName="Title Only" type="titleOnly">
   <p:cSld name="TITLE_ONLY">
     <p:spTree>
@@ -11147,7 +9532,7 @@
 </p:sldLayout>
 </file>
 
-<file path=ppt/slideLayouts/slideLayout8.xml><?xml version="1.0" encoding="utf-8"?>
+<file path=ppt/slideLayouts/slideLayout7.xml><?xml version="1.0" encoding="utf-8"?>
 <p:sldLayout xmlns:a="http://schemas.openxmlformats.org/drawingml/2006/main" xmlns:r="http://schemas.openxmlformats.org/officeDocument/2006/relationships" xmlns:p="http://schemas.openxmlformats.org/presentationml/2006/main" matchingName="Content with Caption" type="objTx">
   <p:cSld name="OBJECT_WITH_CAPTION_TEXT">
     <p:spTree>
@@ -12140,7 +10525,7 @@
 </p:sldLayout>
 </file>
 
-<file path=ppt/slideLayouts/slideLayout9.xml><?xml version="1.0" encoding="utf-8"?>
+<file path=ppt/slideLayouts/slideLayout8.xml><?xml version="1.0" encoding="utf-8"?>
 <p:sldLayout xmlns:a="http://schemas.openxmlformats.org/drawingml/2006/main" xmlns:r="http://schemas.openxmlformats.org/officeDocument/2006/relationships" xmlns:p="http://schemas.openxmlformats.org/presentationml/2006/main" matchingName="Picture with Caption" type="picTx">
   <p:cSld name="PICTURE_WITH_CAPTION_TEXT">
     <p:spTree>
@@ -12771,6 +11156,817 @@
       <p:sp>
         <p:nvSpPr>
           <p:cNvPr id="71" name="Google Shape;71;p22"/>
+          <p:cNvSpPr txBox="1">
+            <a:spLocks noGrp="1"/>
+          </p:cNvSpPr>
+          <p:nvPr>
+            <p:ph type="sldNum" idx="12"/>
+          </p:nvPr>
+        </p:nvSpPr>
+        <p:spPr>
+          <a:xfrm>
+            <a:off x="7227360" y="5165280"/>
+            <a:ext cx="2348280" cy="390600"/>
+          </a:xfrm>
+          <a:prstGeom prst="rect">
+            <a:avLst/>
+          </a:prstGeom>
+          <a:noFill/>
+          <a:ln>
+            <a:noFill/>
+          </a:ln>
+        </p:spPr>
+        <p:txBody>
+          <a:bodyPr spcFirstLastPara="1" wrap="square" lIns="0" tIns="0" rIns="0" bIns="0" anchor="t" anchorCtr="0">
+            <a:noAutofit/>
+          </a:bodyPr>
+          <a:lstStyle>
+            <a:lvl1pPr marL="0" lvl="0" indent="0" algn="r">
+              <a:spcBef>
+                <a:spcPts val="0"/>
+              </a:spcBef>
+              <a:buClr>
+                <a:schemeClr val="dk1"/>
+              </a:buClr>
+              <a:buSzPts val="1400"/>
+              <a:buFont typeface="Arial"/>
+              <a:buNone/>
+              <a:defRPr sz="1400">
+                <a:latin typeface="Arial"/>
+                <a:ea typeface="Arial"/>
+                <a:cs typeface="Arial"/>
+                <a:sym typeface="Arial"/>
+              </a:defRPr>
+            </a:lvl1pPr>
+            <a:lvl2pPr marL="0" lvl="1" indent="0" algn="r">
+              <a:spcBef>
+                <a:spcPts val="0"/>
+              </a:spcBef>
+              <a:buClr>
+                <a:schemeClr val="dk1"/>
+              </a:buClr>
+              <a:buSzPts val="1400"/>
+              <a:buFont typeface="Arial"/>
+              <a:buNone/>
+              <a:defRPr sz="1400">
+                <a:latin typeface="Arial"/>
+                <a:ea typeface="Arial"/>
+                <a:cs typeface="Arial"/>
+                <a:sym typeface="Arial"/>
+              </a:defRPr>
+            </a:lvl2pPr>
+            <a:lvl3pPr marL="0" lvl="2" indent="0" algn="r">
+              <a:spcBef>
+                <a:spcPts val="0"/>
+              </a:spcBef>
+              <a:buClr>
+                <a:schemeClr val="dk1"/>
+              </a:buClr>
+              <a:buSzPts val="1400"/>
+              <a:buFont typeface="Arial"/>
+              <a:buNone/>
+              <a:defRPr sz="1400">
+                <a:latin typeface="Arial"/>
+                <a:ea typeface="Arial"/>
+                <a:cs typeface="Arial"/>
+                <a:sym typeface="Arial"/>
+              </a:defRPr>
+            </a:lvl3pPr>
+            <a:lvl4pPr marL="0" lvl="3" indent="0" algn="r">
+              <a:spcBef>
+                <a:spcPts val="0"/>
+              </a:spcBef>
+              <a:buClr>
+                <a:schemeClr val="dk1"/>
+              </a:buClr>
+              <a:buSzPts val="1400"/>
+              <a:buFont typeface="Arial"/>
+              <a:buNone/>
+              <a:defRPr sz="1400">
+                <a:latin typeface="Arial"/>
+                <a:ea typeface="Arial"/>
+                <a:cs typeface="Arial"/>
+                <a:sym typeface="Arial"/>
+              </a:defRPr>
+            </a:lvl4pPr>
+            <a:lvl5pPr marL="0" lvl="4" indent="0" algn="r">
+              <a:spcBef>
+                <a:spcPts val="0"/>
+              </a:spcBef>
+              <a:buClr>
+                <a:schemeClr val="dk1"/>
+              </a:buClr>
+              <a:buSzPts val="1400"/>
+              <a:buFont typeface="Arial"/>
+              <a:buNone/>
+              <a:defRPr sz="1400">
+                <a:latin typeface="Arial"/>
+                <a:ea typeface="Arial"/>
+                <a:cs typeface="Arial"/>
+                <a:sym typeface="Arial"/>
+              </a:defRPr>
+            </a:lvl5pPr>
+            <a:lvl6pPr marL="0" lvl="5" indent="0" algn="r">
+              <a:spcBef>
+                <a:spcPts val="0"/>
+              </a:spcBef>
+              <a:buClr>
+                <a:schemeClr val="dk1"/>
+              </a:buClr>
+              <a:buSzPts val="1400"/>
+              <a:buFont typeface="Arial"/>
+              <a:buNone/>
+              <a:defRPr sz="1400">
+                <a:latin typeface="Arial"/>
+                <a:ea typeface="Arial"/>
+                <a:cs typeface="Arial"/>
+                <a:sym typeface="Arial"/>
+              </a:defRPr>
+            </a:lvl6pPr>
+            <a:lvl7pPr marL="0" lvl="6" indent="0" algn="r">
+              <a:spcBef>
+                <a:spcPts val="0"/>
+              </a:spcBef>
+              <a:buClr>
+                <a:schemeClr val="dk1"/>
+              </a:buClr>
+              <a:buSzPts val="1400"/>
+              <a:buFont typeface="Arial"/>
+              <a:buNone/>
+              <a:defRPr sz="1400">
+                <a:latin typeface="Arial"/>
+                <a:ea typeface="Arial"/>
+                <a:cs typeface="Arial"/>
+                <a:sym typeface="Arial"/>
+              </a:defRPr>
+            </a:lvl7pPr>
+            <a:lvl8pPr marL="0" lvl="7" indent="0" algn="r">
+              <a:spcBef>
+                <a:spcPts val="0"/>
+              </a:spcBef>
+              <a:buClr>
+                <a:schemeClr val="dk1"/>
+              </a:buClr>
+              <a:buSzPts val="1400"/>
+              <a:buFont typeface="Arial"/>
+              <a:buNone/>
+              <a:defRPr sz="1400">
+                <a:latin typeface="Arial"/>
+                <a:ea typeface="Arial"/>
+                <a:cs typeface="Arial"/>
+                <a:sym typeface="Arial"/>
+              </a:defRPr>
+            </a:lvl8pPr>
+            <a:lvl9pPr marL="0" lvl="8" indent="0" algn="r">
+              <a:spcBef>
+                <a:spcPts val="0"/>
+              </a:spcBef>
+              <a:buClr>
+                <a:schemeClr val="dk1"/>
+              </a:buClr>
+              <a:buSzPts val="1400"/>
+              <a:buFont typeface="Arial"/>
+              <a:buNone/>
+              <a:defRPr sz="1400">
+                <a:latin typeface="Arial"/>
+                <a:ea typeface="Arial"/>
+                <a:cs typeface="Arial"/>
+                <a:sym typeface="Arial"/>
+              </a:defRPr>
+            </a:lvl9pPr>
+          </a:lstStyle>
+          <a:p>
+            <a:pPr marL="0" lvl="0" indent="0" algn="r" rtl="0">
+              <a:spcBef>
+                <a:spcPts val="0"/>
+              </a:spcBef>
+              <a:spcAft>
+                <a:spcPts val="0"/>
+              </a:spcAft>
+              <a:buNone/>
+            </a:pPr>
+            <a:fld id="{00000000-1234-1234-1234-123412341234}" type="slidenum">
+              <a:rPr lang="en-US"/>
+              <a:t>‹#›</a:t>
+            </a:fld>
+            <a:endParaRPr/>
+          </a:p>
+        </p:txBody>
+      </p:sp>
+    </p:spTree>
+  </p:cSld>
+  <p:clrMapOvr>
+    <a:masterClrMapping/>
+  </p:clrMapOvr>
+</p:sldLayout>
+</file>
+
+<file path=ppt/slideLayouts/slideLayout9.xml><?xml version="1.0" encoding="utf-8"?>
+<p:sldLayout xmlns:a="http://schemas.openxmlformats.org/drawingml/2006/main" xmlns:r="http://schemas.openxmlformats.org/officeDocument/2006/relationships" xmlns:p="http://schemas.openxmlformats.org/presentationml/2006/main" matchingName="Title and Vertical Text" type="vertTx">
+  <p:cSld name="VERTICAL_TEXT">
+    <p:spTree>
+      <p:nvGrpSpPr>
+        <p:cNvPr id="1" name="Shape 72"/>
+        <p:cNvGrpSpPr/>
+        <p:nvPr/>
+      </p:nvGrpSpPr>
+      <p:grpSpPr>
+        <a:xfrm>
+          <a:off x="0" y="0"/>
+          <a:ext cx="0" cy="0"/>
+          <a:chOff x="0" y="0"/>
+          <a:chExt cx="0" cy="0"/>
+        </a:xfrm>
+      </p:grpSpPr>
+      <p:sp>
+        <p:nvSpPr>
+          <p:cNvPr id="73" name="Google Shape;73;p23"/>
+          <p:cNvSpPr txBox="1">
+            <a:spLocks noGrp="1"/>
+          </p:cNvSpPr>
+          <p:nvPr>
+            <p:ph type="title"/>
+          </p:nvPr>
+        </p:nvSpPr>
+        <p:spPr>
+          <a:xfrm>
+            <a:off x="503999" y="226080"/>
+            <a:ext cx="9071640" cy="946440"/>
+          </a:xfrm>
+          <a:prstGeom prst="rect">
+            <a:avLst/>
+          </a:prstGeom>
+          <a:noFill/>
+          <a:ln>
+            <a:noFill/>
+          </a:ln>
+        </p:spPr>
+        <p:txBody>
+          <a:bodyPr spcFirstLastPara="1" wrap="square" lIns="0" tIns="0" rIns="0" bIns="0" anchor="ctr" anchorCtr="0">
+            <a:noAutofit/>
+          </a:bodyPr>
+          <a:lstStyle>
+            <a:lvl1pPr lvl="0" algn="ctr">
+              <a:spcBef>
+                <a:spcPts val="0"/>
+              </a:spcBef>
+              <a:spcAft>
+                <a:spcPts val="0"/>
+              </a:spcAft>
+              <a:buSzPts val="1400"/>
+              <a:buNone/>
+              <a:defRPr/>
+            </a:lvl1pPr>
+            <a:lvl2pPr lvl="1">
+              <a:spcBef>
+                <a:spcPts val="0"/>
+              </a:spcBef>
+              <a:spcAft>
+                <a:spcPts val="0"/>
+              </a:spcAft>
+              <a:buSzPts val="1400"/>
+              <a:buNone/>
+              <a:defRPr/>
+            </a:lvl2pPr>
+            <a:lvl3pPr lvl="2">
+              <a:spcBef>
+                <a:spcPts val="0"/>
+              </a:spcBef>
+              <a:spcAft>
+                <a:spcPts val="0"/>
+              </a:spcAft>
+              <a:buSzPts val="1400"/>
+              <a:buNone/>
+              <a:defRPr/>
+            </a:lvl3pPr>
+            <a:lvl4pPr lvl="3">
+              <a:spcBef>
+                <a:spcPts val="0"/>
+              </a:spcBef>
+              <a:spcAft>
+                <a:spcPts val="0"/>
+              </a:spcAft>
+              <a:buSzPts val="1400"/>
+              <a:buNone/>
+              <a:defRPr/>
+            </a:lvl4pPr>
+            <a:lvl5pPr lvl="4">
+              <a:spcBef>
+                <a:spcPts val="0"/>
+              </a:spcBef>
+              <a:spcAft>
+                <a:spcPts val="0"/>
+              </a:spcAft>
+              <a:buSzPts val="1400"/>
+              <a:buNone/>
+              <a:defRPr/>
+            </a:lvl5pPr>
+            <a:lvl6pPr lvl="5">
+              <a:spcBef>
+                <a:spcPts val="0"/>
+              </a:spcBef>
+              <a:spcAft>
+                <a:spcPts val="0"/>
+              </a:spcAft>
+              <a:buSzPts val="1400"/>
+              <a:buNone/>
+              <a:defRPr/>
+            </a:lvl6pPr>
+            <a:lvl7pPr lvl="6">
+              <a:spcBef>
+                <a:spcPts val="0"/>
+              </a:spcBef>
+              <a:spcAft>
+                <a:spcPts val="0"/>
+              </a:spcAft>
+              <a:buSzPts val="1400"/>
+              <a:buNone/>
+              <a:defRPr/>
+            </a:lvl7pPr>
+            <a:lvl8pPr lvl="7">
+              <a:spcBef>
+                <a:spcPts val="0"/>
+              </a:spcBef>
+              <a:spcAft>
+                <a:spcPts val="0"/>
+              </a:spcAft>
+              <a:buSzPts val="1400"/>
+              <a:buNone/>
+              <a:defRPr/>
+            </a:lvl8pPr>
+            <a:lvl9pPr lvl="8">
+              <a:spcBef>
+                <a:spcPts val="0"/>
+              </a:spcBef>
+              <a:spcAft>
+                <a:spcPts val="0"/>
+              </a:spcAft>
+              <a:buSzPts val="1400"/>
+              <a:buNone/>
+              <a:defRPr/>
+            </a:lvl9pPr>
+          </a:lstStyle>
+          <a:p>
+            <a:endParaRPr/>
+          </a:p>
+        </p:txBody>
+      </p:sp>
+      <p:sp>
+        <p:nvSpPr>
+          <p:cNvPr id="74" name="Google Shape;74;p23"/>
+          <p:cNvSpPr txBox="1">
+            <a:spLocks noGrp="1"/>
+          </p:cNvSpPr>
+          <p:nvPr>
+            <p:ph type="body" idx="1"/>
+          </p:nvPr>
+        </p:nvSpPr>
+        <p:spPr>
+          <a:xfrm rot="5400000">
+            <a:off x="3395700" y="-1565100"/>
+            <a:ext cx="3288239" cy="9071640"/>
+          </a:xfrm>
+          <a:prstGeom prst="rect">
+            <a:avLst/>
+          </a:prstGeom>
+          <a:noFill/>
+          <a:ln>
+            <a:noFill/>
+          </a:ln>
+        </p:spPr>
+        <p:txBody>
+          <a:bodyPr spcFirstLastPara="1" wrap="square" lIns="0" tIns="0" rIns="0" bIns="0" anchor="t" anchorCtr="0">
+            <a:normAutofit/>
+          </a:bodyPr>
+          <a:lstStyle>
+            <a:lvl1pPr marL="457200" lvl="0" indent="-228600" algn="l">
+              <a:spcBef>
+                <a:spcPts val="1417"/>
+              </a:spcBef>
+              <a:spcAft>
+                <a:spcPts val="0"/>
+              </a:spcAft>
+              <a:buSzPts val="1400"/>
+              <a:buNone/>
+              <a:defRPr/>
+            </a:lvl1pPr>
+            <a:lvl2pPr marL="914400" lvl="1" indent="-342900" algn="l">
+              <a:lnSpc>
+                <a:spcPct val="90000"/>
+              </a:lnSpc>
+              <a:spcBef>
+                <a:spcPts val="500"/>
+              </a:spcBef>
+              <a:spcAft>
+                <a:spcPts val="0"/>
+              </a:spcAft>
+              <a:buClr>
+                <a:schemeClr val="dk1"/>
+              </a:buClr>
+              <a:buSzPts val="1800"/>
+              <a:buChar char="•"/>
+              <a:defRPr/>
+            </a:lvl2pPr>
+            <a:lvl3pPr marL="1371600" lvl="2" indent="-342900" algn="l">
+              <a:lnSpc>
+                <a:spcPct val="90000"/>
+              </a:lnSpc>
+              <a:spcBef>
+                <a:spcPts val="500"/>
+              </a:spcBef>
+              <a:spcAft>
+                <a:spcPts val="0"/>
+              </a:spcAft>
+              <a:buClr>
+                <a:schemeClr val="dk1"/>
+              </a:buClr>
+              <a:buSzPts val="1800"/>
+              <a:buChar char="•"/>
+              <a:defRPr/>
+            </a:lvl3pPr>
+            <a:lvl4pPr marL="1828800" lvl="3" indent="-342900" algn="l">
+              <a:lnSpc>
+                <a:spcPct val="90000"/>
+              </a:lnSpc>
+              <a:spcBef>
+                <a:spcPts val="500"/>
+              </a:spcBef>
+              <a:spcAft>
+                <a:spcPts val="0"/>
+              </a:spcAft>
+              <a:buClr>
+                <a:schemeClr val="dk1"/>
+              </a:buClr>
+              <a:buSzPts val="1800"/>
+              <a:buChar char="•"/>
+              <a:defRPr/>
+            </a:lvl4pPr>
+            <a:lvl5pPr marL="2286000" lvl="4" indent="-342900" algn="l">
+              <a:lnSpc>
+                <a:spcPct val="90000"/>
+              </a:lnSpc>
+              <a:spcBef>
+                <a:spcPts val="500"/>
+              </a:spcBef>
+              <a:spcAft>
+                <a:spcPts val="0"/>
+              </a:spcAft>
+              <a:buClr>
+                <a:schemeClr val="dk1"/>
+              </a:buClr>
+              <a:buSzPts val="1800"/>
+              <a:buChar char="•"/>
+              <a:defRPr/>
+            </a:lvl5pPr>
+            <a:lvl6pPr marL="2743200" lvl="5" indent="-342900" algn="l">
+              <a:lnSpc>
+                <a:spcPct val="90000"/>
+              </a:lnSpc>
+              <a:spcBef>
+                <a:spcPts val="500"/>
+              </a:spcBef>
+              <a:spcAft>
+                <a:spcPts val="0"/>
+              </a:spcAft>
+              <a:buClr>
+                <a:schemeClr val="dk1"/>
+              </a:buClr>
+              <a:buSzPts val="1800"/>
+              <a:buChar char="•"/>
+              <a:defRPr/>
+            </a:lvl6pPr>
+            <a:lvl7pPr marL="3200400" lvl="6" indent="-342900" algn="l">
+              <a:lnSpc>
+                <a:spcPct val="90000"/>
+              </a:lnSpc>
+              <a:spcBef>
+                <a:spcPts val="500"/>
+              </a:spcBef>
+              <a:spcAft>
+                <a:spcPts val="0"/>
+              </a:spcAft>
+              <a:buClr>
+                <a:schemeClr val="dk1"/>
+              </a:buClr>
+              <a:buSzPts val="1800"/>
+              <a:buChar char="•"/>
+              <a:defRPr/>
+            </a:lvl7pPr>
+            <a:lvl8pPr marL="3657600" lvl="7" indent="-342900" algn="l">
+              <a:lnSpc>
+                <a:spcPct val="90000"/>
+              </a:lnSpc>
+              <a:spcBef>
+                <a:spcPts val="500"/>
+              </a:spcBef>
+              <a:spcAft>
+                <a:spcPts val="0"/>
+              </a:spcAft>
+              <a:buClr>
+                <a:schemeClr val="dk1"/>
+              </a:buClr>
+              <a:buSzPts val="1800"/>
+              <a:buChar char="•"/>
+              <a:defRPr/>
+            </a:lvl8pPr>
+            <a:lvl9pPr marL="4114800" lvl="8" indent="-342900" algn="l">
+              <a:lnSpc>
+                <a:spcPct val="90000"/>
+              </a:lnSpc>
+              <a:spcBef>
+                <a:spcPts val="500"/>
+              </a:spcBef>
+              <a:spcAft>
+                <a:spcPts val="0"/>
+              </a:spcAft>
+              <a:buClr>
+                <a:schemeClr val="dk1"/>
+              </a:buClr>
+              <a:buSzPts val="1800"/>
+              <a:buChar char="•"/>
+              <a:defRPr/>
+            </a:lvl9pPr>
+          </a:lstStyle>
+          <a:p>
+            <a:endParaRPr/>
+          </a:p>
+        </p:txBody>
+      </p:sp>
+      <p:sp>
+        <p:nvSpPr>
+          <p:cNvPr id="75" name="Google Shape;75;p23"/>
+          <p:cNvSpPr txBox="1">
+            <a:spLocks noGrp="1"/>
+          </p:cNvSpPr>
+          <p:nvPr>
+            <p:ph type="dt" idx="10"/>
+          </p:nvPr>
+        </p:nvSpPr>
+        <p:spPr>
+          <a:xfrm>
+            <a:off x="503999" y="5165280"/>
+            <a:ext cx="2348280" cy="390600"/>
+          </a:xfrm>
+          <a:prstGeom prst="rect">
+            <a:avLst/>
+          </a:prstGeom>
+          <a:noFill/>
+          <a:ln>
+            <a:noFill/>
+          </a:ln>
+        </p:spPr>
+        <p:txBody>
+          <a:bodyPr spcFirstLastPara="1" wrap="square" lIns="0" tIns="0" rIns="0" bIns="0" anchor="t" anchorCtr="0">
+            <a:noAutofit/>
+          </a:bodyPr>
+          <a:lstStyle>
+            <a:lvl1pPr lvl="0" algn="l">
+              <a:spcBef>
+                <a:spcPts val="0"/>
+              </a:spcBef>
+              <a:spcAft>
+                <a:spcPts val="0"/>
+              </a:spcAft>
+              <a:buClr>
+                <a:schemeClr val="dk1"/>
+              </a:buClr>
+              <a:buSzPts val="1800"/>
+              <a:buNone/>
+              <a:defRPr/>
+            </a:lvl1pPr>
+            <a:lvl2pPr lvl="1" algn="l">
+              <a:spcBef>
+                <a:spcPts val="0"/>
+              </a:spcBef>
+              <a:spcAft>
+                <a:spcPts val="0"/>
+              </a:spcAft>
+              <a:buSzPts val="1400"/>
+              <a:buNone/>
+              <a:defRPr/>
+            </a:lvl2pPr>
+            <a:lvl3pPr lvl="2" algn="l">
+              <a:spcBef>
+                <a:spcPts val="0"/>
+              </a:spcBef>
+              <a:spcAft>
+                <a:spcPts val="0"/>
+              </a:spcAft>
+              <a:buSzPts val="1400"/>
+              <a:buNone/>
+              <a:defRPr/>
+            </a:lvl3pPr>
+            <a:lvl4pPr lvl="3" algn="l">
+              <a:spcBef>
+                <a:spcPts val="0"/>
+              </a:spcBef>
+              <a:spcAft>
+                <a:spcPts val="0"/>
+              </a:spcAft>
+              <a:buSzPts val="1400"/>
+              <a:buNone/>
+              <a:defRPr/>
+            </a:lvl4pPr>
+            <a:lvl5pPr lvl="4" algn="l">
+              <a:spcBef>
+                <a:spcPts val="0"/>
+              </a:spcBef>
+              <a:spcAft>
+                <a:spcPts val="0"/>
+              </a:spcAft>
+              <a:buSzPts val="1400"/>
+              <a:buNone/>
+              <a:defRPr/>
+            </a:lvl5pPr>
+            <a:lvl6pPr lvl="5" algn="l">
+              <a:spcBef>
+                <a:spcPts val="0"/>
+              </a:spcBef>
+              <a:spcAft>
+                <a:spcPts val="0"/>
+              </a:spcAft>
+              <a:buSzPts val="1400"/>
+              <a:buNone/>
+              <a:defRPr/>
+            </a:lvl6pPr>
+            <a:lvl7pPr lvl="6" algn="l">
+              <a:spcBef>
+                <a:spcPts val="0"/>
+              </a:spcBef>
+              <a:spcAft>
+                <a:spcPts val="0"/>
+              </a:spcAft>
+              <a:buSzPts val="1400"/>
+              <a:buNone/>
+              <a:defRPr/>
+            </a:lvl7pPr>
+            <a:lvl8pPr lvl="7" algn="l">
+              <a:spcBef>
+                <a:spcPts val="0"/>
+              </a:spcBef>
+              <a:spcAft>
+                <a:spcPts val="0"/>
+              </a:spcAft>
+              <a:buSzPts val="1400"/>
+              <a:buNone/>
+              <a:defRPr/>
+            </a:lvl8pPr>
+            <a:lvl9pPr lvl="8" algn="l">
+              <a:spcBef>
+                <a:spcPts val="0"/>
+              </a:spcBef>
+              <a:spcAft>
+                <a:spcPts val="0"/>
+              </a:spcAft>
+              <a:buSzPts val="1400"/>
+              <a:buNone/>
+              <a:defRPr/>
+            </a:lvl9pPr>
+          </a:lstStyle>
+          <a:p>
+            <a:endParaRPr/>
+          </a:p>
+        </p:txBody>
+      </p:sp>
+      <p:sp>
+        <p:nvSpPr>
+          <p:cNvPr id="76" name="Google Shape;76;p23"/>
+          <p:cNvSpPr txBox="1">
+            <a:spLocks noGrp="1"/>
+          </p:cNvSpPr>
+          <p:nvPr>
+            <p:ph type="ftr" idx="11"/>
+          </p:nvPr>
+        </p:nvSpPr>
+        <p:spPr>
+          <a:xfrm>
+            <a:off x="3447360" y="5165280"/>
+            <a:ext cx="3195000" cy="390600"/>
+          </a:xfrm>
+          <a:prstGeom prst="rect">
+            <a:avLst/>
+          </a:prstGeom>
+          <a:noFill/>
+          <a:ln>
+            <a:noFill/>
+          </a:ln>
+        </p:spPr>
+        <p:txBody>
+          <a:bodyPr spcFirstLastPara="1" wrap="square" lIns="0" tIns="0" rIns="0" bIns="0" anchor="t" anchorCtr="0">
+            <a:noAutofit/>
+          </a:bodyPr>
+          <a:lstStyle>
+            <a:lvl1pPr lvl="0" algn="ctr">
+              <a:spcBef>
+                <a:spcPts val="0"/>
+              </a:spcBef>
+              <a:spcAft>
+                <a:spcPts val="0"/>
+              </a:spcAft>
+              <a:buClr>
+                <a:schemeClr val="dk1"/>
+              </a:buClr>
+              <a:buSzPts val="1800"/>
+              <a:buNone/>
+              <a:defRPr/>
+            </a:lvl1pPr>
+            <a:lvl2pPr lvl="1" algn="l">
+              <a:spcBef>
+                <a:spcPts val="0"/>
+              </a:spcBef>
+              <a:spcAft>
+                <a:spcPts val="0"/>
+              </a:spcAft>
+              <a:buSzPts val="1400"/>
+              <a:buNone/>
+              <a:defRPr/>
+            </a:lvl2pPr>
+            <a:lvl3pPr lvl="2" algn="l">
+              <a:spcBef>
+                <a:spcPts val="0"/>
+              </a:spcBef>
+              <a:spcAft>
+                <a:spcPts val="0"/>
+              </a:spcAft>
+              <a:buSzPts val="1400"/>
+              <a:buNone/>
+              <a:defRPr/>
+            </a:lvl3pPr>
+            <a:lvl4pPr lvl="3" algn="l">
+              <a:spcBef>
+                <a:spcPts val="0"/>
+              </a:spcBef>
+              <a:spcAft>
+                <a:spcPts val="0"/>
+              </a:spcAft>
+              <a:buSzPts val="1400"/>
+              <a:buNone/>
+              <a:defRPr/>
+            </a:lvl4pPr>
+            <a:lvl5pPr lvl="4" algn="l">
+              <a:spcBef>
+                <a:spcPts val="0"/>
+              </a:spcBef>
+              <a:spcAft>
+                <a:spcPts val="0"/>
+              </a:spcAft>
+              <a:buSzPts val="1400"/>
+              <a:buNone/>
+              <a:defRPr/>
+            </a:lvl5pPr>
+            <a:lvl6pPr lvl="5" algn="l">
+              <a:spcBef>
+                <a:spcPts val="0"/>
+              </a:spcBef>
+              <a:spcAft>
+                <a:spcPts val="0"/>
+              </a:spcAft>
+              <a:buSzPts val="1400"/>
+              <a:buNone/>
+              <a:defRPr/>
+            </a:lvl6pPr>
+            <a:lvl7pPr lvl="6" algn="l">
+              <a:spcBef>
+                <a:spcPts val="0"/>
+              </a:spcBef>
+              <a:spcAft>
+                <a:spcPts val="0"/>
+              </a:spcAft>
+              <a:buSzPts val="1400"/>
+              <a:buNone/>
+              <a:defRPr/>
+            </a:lvl7pPr>
+            <a:lvl8pPr lvl="7" algn="l">
+              <a:spcBef>
+                <a:spcPts val="0"/>
+              </a:spcBef>
+              <a:spcAft>
+                <a:spcPts val="0"/>
+              </a:spcAft>
+              <a:buSzPts val="1400"/>
+              <a:buNone/>
+              <a:defRPr/>
+            </a:lvl8pPr>
+            <a:lvl9pPr lvl="8" algn="l">
+              <a:spcBef>
+                <a:spcPts val="0"/>
+              </a:spcBef>
+              <a:spcAft>
+                <a:spcPts val="0"/>
+              </a:spcAft>
+              <a:buSzPts val="1400"/>
+              <a:buNone/>
+              <a:defRPr/>
+            </a:lvl9pPr>
+          </a:lstStyle>
+          <a:p>
+            <a:endParaRPr/>
+          </a:p>
+        </p:txBody>
+      </p:sp>
+      <p:sp>
+        <p:nvSpPr>
+          <p:cNvPr id="77" name="Google Shape;77;p23"/>
           <p:cNvSpPr txBox="1">
             <a:spLocks noGrp="1"/>
           </p:cNvSpPr>
@@ -14054,15 +13250,14 @@
   <p:sldLayoutIdLst>
     <p:sldLayoutId id="2147483649" r:id="rId1"/>
     <p:sldLayoutId id="2147483650" r:id="rId2"/>
-    <p:sldLayoutId id="2147483651" r:id="rId3"/>
-    <p:sldLayoutId id="2147483652" r:id="rId4"/>
-    <p:sldLayoutId id="2147483653" r:id="rId5"/>
-    <p:sldLayoutId id="2147483654" r:id="rId6"/>
-    <p:sldLayoutId id="2147483655" r:id="rId7"/>
-    <p:sldLayoutId id="2147483656" r:id="rId8"/>
-    <p:sldLayoutId id="2147483657" r:id="rId9"/>
-    <p:sldLayoutId id="2147483658" r:id="rId10"/>
-    <p:sldLayoutId id="2147483659" r:id="rId11"/>
+    <p:sldLayoutId id="2147483652" r:id="rId3"/>
+    <p:sldLayoutId id="2147483653" r:id="rId4"/>
+    <p:sldLayoutId id="2147483654" r:id="rId5"/>
+    <p:sldLayoutId id="2147483655" r:id="rId6"/>
+    <p:sldLayoutId id="2147483656" r:id="rId7"/>
+    <p:sldLayoutId id="2147483657" r:id="rId8"/>
+    <p:sldLayoutId id="2147483658" r:id="rId9"/>
+    <p:sldLayoutId id="2147483659" r:id="rId10"/>
   </p:sldLayoutIdLst>
   <p:hf sldNum="0" hdr="0" ftr="0" dt="0"/>
   <p:txStyles>
@@ -15009,6 +14204,1250 @@
   <p:cSld>
     <p:spTree>
       <p:nvGrpSpPr>
+        <p:cNvPr id="1" name=""/>
+        <p:cNvGrpSpPr/>
+        <p:nvPr/>
+      </p:nvGrpSpPr>
+      <p:grpSpPr>
+        <a:xfrm>
+          <a:off x="0" y="0"/>
+          <a:ext cx="0" cy="0"/>
+          <a:chOff x="0" y="0"/>
+          <a:chExt cx="0" cy="0"/>
+        </a:xfrm>
+      </p:grpSpPr>
+      <p:sp>
+        <p:nvSpPr>
+          <p:cNvPr id="2" name="TextBox 1"/>
+          <p:cNvSpPr txBox="1"/>
+          <p:nvPr/>
+        </p:nvSpPr>
+        <p:spPr>
+          <a:xfrm>
+            <a:off x="993913" y="310100"/>
+            <a:ext cx="8038769" cy="707886"/>
+          </a:xfrm>
+          <a:prstGeom prst="rect">
+            <a:avLst/>
+          </a:prstGeom>
+          <a:noFill/>
+        </p:spPr>
+        <p:txBody>
+          <a:bodyPr wrap="square" rtlCol="0">
+            <a:spAutoFit/>
+          </a:bodyPr>
+          <a:lstStyle/>
+          <a:p>
+            <a:pPr algn="ctr"/>
+            <a:r>
+              <a:rPr lang="en-US" sz="4000" dirty="0" smtClean="0"/>
+              <a:t>Variables – evaluating (calling)</a:t>
+            </a:r>
+            <a:endParaRPr lang="en-US" sz="3600" dirty="0"/>
+          </a:p>
+        </p:txBody>
+      </p:sp>
+      <p:sp>
+        <p:nvSpPr>
+          <p:cNvPr id="3" name="TextBox 2"/>
+          <p:cNvSpPr txBox="1"/>
+          <p:nvPr/>
+        </p:nvSpPr>
+        <p:spPr>
+          <a:xfrm>
+            <a:off x="453223" y="1645920"/>
+            <a:ext cx="5860113" cy="3447098"/>
+          </a:xfrm>
+          <a:prstGeom prst="rect">
+            <a:avLst/>
+          </a:prstGeom>
+          <a:noFill/>
+        </p:spPr>
+        <p:txBody>
+          <a:bodyPr wrap="square" rtlCol="0">
+            <a:spAutoFit/>
+          </a:bodyPr>
+          <a:lstStyle/>
+          <a:p>
+            <a:pPr lvl="7"/>
+            <a:r>
+              <a:rPr lang="en-US" sz="2400" b="1" dirty="0"/>
+              <a:t>$</a:t>
+            </a:r>
+            <a:r>
+              <a:rPr lang="en-US" sz="2400" b="1" dirty="0" err="1"/>
+              <a:t>variablename</a:t>
+            </a:r>
+            <a:endParaRPr lang="en-US" sz="2400" b="1" dirty="0"/>
+          </a:p>
+          <a:p>
+            <a:pPr lvl="7"/>
+            <a:r>
+              <a:rPr lang="en-US" sz="1800" dirty="0"/>
+              <a:t>	</a:t>
+            </a:r>
+            <a:endParaRPr lang="en-US" sz="1800" dirty="0" smtClean="0"/>
+          </a:p>
+          <a:p>
+            <a:pPr lvl="7"/>
+            <a:r>
+              <a:rPr lang="en-US" sz="1800" dirty="0" smtClean="0"/>
+              <a:t>echo </a:t>
+            </a:r>
+            <a:r>
+              <a:rPr lang="en-US" sz="1800" dirty="0"/>
+              <a:t>$a</a:t>
+            </a:r>
+          </a:p>
+          <a:p>
+            <a:pPr lvl="7"/>
+            <a:r>
+              <a:rPr lang="en-US" sz="1800" dirty="0"/>
+              <a:t>	</a:t>
+            </a:r>
+            <a:endParaRPr lang="en-US" sz="1800" dirty="0" smtClean="0"/>
+          </a:p>
+          <a:p>
+            <a:pPr lvl="7"/>
+            <a:r>
+              <a:rPr lang="en-US" sz="1800" dirty="0" err="1" smtClean="0"/>
+              <a:t>grep</a:t>
+            </a:r>
+            <a:r>
+              <a:rPr lang="en-US" sz="1800" dirty="0" smtClean="0"/>
+              <a:t> </a:t>
+            </a:r>
+            <a:r>
+              <a:rPr lang="en-US" sz="1800" dirty="0"/>
+              <a:t>$</a:t>
+            </a:r>
+            <a:r>
+              <a:rPr lang="en-US" sz="1800" dirty="0" err="1"/>
+              <a:t>gene_name</a:t>
+            </a:r>
+            <a:r>
+              <a:rPr lang="en-US" sz="1800" dirty="0"/>
+              <a:t> &lt;filename&gt;</a:t>
+            </a:r>
+          </a:p>
+          <a:p>
+            <a:pPr lvl="7"/>
+            <a:r>
+              <a:rPr lang="en-US" sz="1800" dirty="0"/>
+              <a:t>	</a:t>
+            </a:r>
+            <a:endParaRPr lang="en-US" sz="1800" dirty="0" smtClean="0"/>
+          </a:p>
+          <a:p>
+            <a:pPr lvl="7"/>
+            <a:r>
+              <a:rPr lang="en-US" sz="1800" dirty="0" err="1" smtClean="0"/>
+              <a:t>trim_script</a:t>
+            </a:r>
+            <a:r>
+              <a:rPr lang="en-US" sz="1800" dirty="0"/>
+              <a:t>=“$</a:t>
+            </a:r>
+            <a:r>
+              <a:rPr lang="en-US" sz="1800" dirty="0" err="1"/>
+              <a:t>filepath</a:t>
+            </a:r>
+            <a:r>
+              <a:rPr lang="en-US" sz="1800" dirty="0"/>
+              <a:t>”/d4_trim_qc.sbatch</a:t>
+            </a:r>
+          </a:p>
+          <a:p>
+            <a:pPr lvl="7"/>
+            <a:r>
+              <a:rPr lang="en-US" sz="1800" dirty="0" smtClean="0"/>
+              <a:t>OR </a:t>
+            </a:r>
+          </a:p>
+          <a:p>
+            <a:pPr lvl="7"/>
+            <a:r>
+              <a:rPr lang="en-US" sz="1800" dirty="0" err="1" smtClean="0"/>
+              <a:t>trim_script</a:t>
+            </a:r>
+            <a:r>
+              <a:rPr lang="en-US" sz="1800" dirty="0"/>
+              <a:t>=${</a:t>
+            </a:r>
+            <a:r>
+              <a:rPr lang="en-US" sz="1800" dirty="0" err="1"/>
+              <a:t>filepath</a:t>
+            </a:r>
+            <a:r>
+              <a:rPr lang="en-US" sz="1800" dirty="0"/>
+              <a:t>}/d4_trim_qc.sbatch</a:t>
+            </a:r>
+          </a:p>
+          <a:p>
+            <a:pPr lvl="7"/>
+            <a:r>
+              <a:rPr lang="en-US" sz="1800" dirty="0"/>
+              <a:t>	</a:t>
+            </a:r>
+            <a:endParaRPr lang="en-US" sz="1800" dirty="0" smtClean="0"/>
+          </a:p>
+          <a:p>
+            <a:pPr lvl="7"/>
+            <a:r>
+              <a:rPr lang="en-US" sz="1800" dirty="0" err="1" smtClean="0"/>
+              <a:t>wc</a:t>
+            </a:r>
+            <a:r>
+              <a:rPr lang="en-US" sz="1800" dirty="0" smtClean="0"/>
+              <a:t> </a:t>
+            </a:r>
+            <a:r>
+              <a:rPr lang="en-US" sz="1800" dirty="0"/>
+              <a:t>$</a:t>
+            </a:r>
+            <a:r>
+              <a:rPr lang="en-US" sz="1800" dirty="0" err="1"/>
+              <a:t>filelist</a:t>
+            </a:r>
+            <a:endParaRPr lang="en-US" sz="1800" dirty="0"/>
+          </a:p>
+          <a:p>
+            <a:endParaRPr lang="en-US" dirty="0"/>
+          </a:p>
+        </p:txBody>
+      </p:sp>
+      <p:cxnSp>
+        <p:nvCxnSpPr>
+          <p:cNvPr id="7" name="Straight Connector 6"/>
+          <p:cNvCxnSpPr/>
+          <p:nvPr/>
+        </p:nvCxnSpPr>
+        <p:spPr>
+          <a:xfrm>
+            <a:off x="5287617" y="1415332"/>
+            <a:ext cx="15903" cy="3935896"/>
+          </a:xfrm>
+          <a:prstGeom prst="line">
+            <a:avLst/>
+          </a:prstGeom>
+          <a:ln w="28575">
+            <a:solidFill>
+              <a:schemeClr val="tx1"/>
+            </a:solidFill>
+          </a:ln>
+        </p:spPr>
+        <p:style>
+          <a:lnRef idx="1">
+            <a:schemeClr val="accent1"/>
+          </a:lnRef>
+          <a:fillRef idx="0">
+            <a:schemeClr val="accent1"/>
+          </a:fillRef>
+          <a:effectRef idx="0">
+            <a:schemeClr val="accent1"/>
+          </a:effectRef>
+          <a:fontRef idx="minor">
+            <a:schemeClr val="tx1"/>
+          </a:fontRef>
+        </p:style>
+      </p:cxnSp>
+    </p:spTree>
+    <p:extLst>
+      <p:ext uri="{BB962C8B-B14F-4D97-AF65-F5344CB8AC3E}">
+        <p14:creationId xmlns:p14="http://schemas.microsoft.com/office/powerpoint/2010/main" val="1404451098"/>
+      </p:ext>
+    </p:extLst>
+  </p:cSld>
+  <p:clrMapOvr>
+    <a:masterClrMapping/>
+  </p:clrMapOvr>
+</p:sld>
+</file>
+
+<file path=ppt/slides/slide11.xml><?xml version="1.0" encoding="utf-8"?>
+<p:sld xmlns:a="http://schemas.openxmlformats.org/drawingml/2006/main" xmlns:r="http://schemas.openxmlformats.org/officeDocument/2006/relationships" xmlns:p="http://schemas.openxmlformats.org/presentationml/2006/main">
+  <p:cSld>
+    <p:spTree>
+      <p:nvGrpSpPr>
+        <p:cNvPr id="1" name=""/>
+        <p:cNvGrpSpPr/>
+        <p:nvPr/>
+      </p:nvGrpSpPr>
+      <p:grpSpPr>
+        <a:xfrm>
+          <a:off x="0" y="0"/>
+          <a:ext cx="0" cy="0"/>
+          <a:chOff x="0" y="0"/>
+          <a:chExt cx="0" cy="0"/>
+        </a:xfrm>
+      </p:grpSpPr>
+      <p:sp>
+        <p:nvSpPr>
+          <p:cNvPr id="2" name="TextBox 1"/>
+          <p:cNvSpPr txBox="1"/>
+          <p:nvPr/>
+        </p:nvSpPr>
+        <p:spPr>
+          <a:xfrm>
+            <a:off x="993913" y="310100"/>
+            <a:ext cx="8038769" cy="707886"/>
+          </a:xfrm>
+          <a:prstGeom prst="rect">
+            <a:avLst/>
+          </a:prstGeom>
+          <a:noFill/>
+        </p:spPr>
+        <p:txBody>
+          <a:bodyPr wrap="square" rtlCol="0">
+            <a:spAutoFit/>
+          </a:bodyPr>
+          <a:lstStyle/>
+          <a:p>
+            <a:pPr algn="ctr"/>
+            <a:r>
+              <a:rPr lang="en-US" sz="4000" dirty="0" smtClean="0"/>
+              <a:t>Variables – evaluating (calling)</a:t>
+            </a:r>
+            <a:endParaRPr lang="en-US" sz="3600" dirty="0"/>
+          </a:p>
+        </p:txBody>
+      </p:sp>
+      <p:sp>
+        <p:nvSpPr>
+          <p:cNvPr id="3" name="TextBox 2"/>
+          <p:cNvSpPr txBox="1"/>
+          <p:nvPr/>
+        </p:nvSpPr>
+        <p:spPr>
+          <a:xfrm>
+            <a:off x="453223" y="1645920"/>
+            <a:ext cx="5860113" cy="3447098"/>
+          </a:xfrm>
+          <a:prstGeom prst="rect">
+            <a:avLst/>
+          </a:prstGeom>
+          <a:noFill/>
+        </p:spPr>
+        <p:txBody>
+          <a:bodyPr wrap="square" rtlCol="0">
+            <a:spAutoFit/>
+          </a:bodyPr>
+          <a:lstStyle/>
+          <a:p>
+            <a:pPr lvl="7"/>
+            <a:r>
+              <a:rPr lang="en-US" sz="2400" b="1" dirty="0"/>
+              <a:t>$</a:t>
+            </a:r>
+            <a:r>
+              <a:rPr lang="en-US" sz="2400" b="1" dirty="0" err="1"/>
+              <a:t>variablename</a:t>
+            </a:r>
+            <a:endParaRPr lang="en-US" sz="2400" b="1" dirty="0"/>
+          </a:p>
+          <a:p>
+            <a:pPr lvl="7"/>
+            <a:r>
+              <a:rPr lang="en-US" sz="1800" dirty="0"/>
+              <a:t>	</a:t>
+            </a:r>
+            <a:endParaRPr lang="en-US" sz="1800" dirty="0" smtClean="0"/>
+          </a:p>
+          <a:p>
+            <a:pPr lvl="7"/>
+            <a:r>
+              <a:rPr lang="en-US" sz="1800" dirty="0" smtClean="0"/>
+              <a:t>echo </a:t>
+            </a:r>
+            <a:r>
+              <a:rPr lang="en-US" sz="1800" dirty="0"/>
+              <a:t>$a</a:t>
+            </a:r>
+          </a:p>
+          <a:p>
+            <a:pPr lvl="7"/>
+            <a:r>
+              <a:rPr lang="en-US" sz="1800" dirty="0"/>
+              <a:t>	</a:t>
+            </a:r>
+            <a:endParaRPr lang="en-US" sz="1800" dirty="0" smtClean="0"/>
+          </a:p>
+          <a:p>
+            <a:pPr lvl="7"/>
+            <a:r>
+              <a:rPr lang="en-US" sz="1800" dirty="0" err="1" smtClean="0"/>
+              <a:t>grep</a:t>
+            </a:r>
+            <a:r>
+              <a:rPr lang="en-US" sz="1800" dirty="0" smtClean="0"/>
+              <a:t> </a:t>
+            </a:r>
+            <a:r>
+              <a:rPr lang="en-US" sz="1800" dirty="0"/>
+              <a:t>$</a:t>
+            </a:r>
+            <a:r>
+              <a:rPr lang="en-US" sz="1800" dirty="0" err="1"/>
+              <a:t>gene_name</a:t>
+            </a:r>
+            <a:r>
+              <a:rPr lang="en-US" sz="1800" dirty="0"/>
+              <a:t> &lt;filename&gt;</a:t>
+            </a:r>
+          </a:p>
+          <a:p>
+            <a:pPr lvl="7"/>
+            <a:r>
+              <a:rPr lang="en-US" sz="1800" dirty="0"/>
+              <a:t>	</a:t>
+            </a:r>
+            <a:endParaRPr lang="en-US" sz="1800" dirty="0" smtClean="0"/>
+          </a:p>
+          <a:p>
+            <a:pPr lvl="7"/>
+            <a:r>
+              <a:rPr lang="en-US" sz="1800" dirty="0" err="1" smtClean="0"/>
+              <a:t>trim_script</a:t>
+            </a:r>
+            <a:r>
+              <a:rPr lang="en-US" sz="1800" dirty="0"/>
+              <a:t>=“$</a:t>
+            </a:r>
+            <a:r>
+              <a:rPr lang="en-US" sz="1800" dirty="0" err="1"/>
+              <a:t>filepath</a:t>
+            </a:r>
+            <a:r>
+              <a:rPr lang="en-US" sz="1800" dirty="0"/>
+              <a:t>”/d4_trim_qc.sbatch</a:t>
+            </a:r>
+          </a:p>
+          <a:p>
+            <a:pPr lvl="7"/>
+            <a:r>
+              <a:rPr lang="en-US" sz="1800" dirty="0" smtClean="0"/>
+              <a:t>OR </a:t>
+            </a:r>
+          </a:p>
+          <a:p>
+            <a:pPr lvl="7"/>
+            <a:r>
+              <a:rPr lang="en-US" sz="1800" dirty="0" err="1" smtClean="0"/>
+              <a:t>trim_script</a:t>
+            </a:r>
+            <a:r>
+              <a:rPr lang="en-US" sz="1800" dirty="0"/>
+              <a:t>=${</a:t>
+            </a:r>
+            <a:r>
+              <a:rPr lang="en-US" sz="1800" dirty="0" err="1"/>
+              <a:t>filepath</a:t>
+            </a:r>
+            <a:r>
+              <a:rPr lang="en-US" sz="1800" dirty="0"/>
+              <a:t>}/d4_trim_qc.sbatch</a:t>
+            </a:r>
+          </a:p>
+          <a:p>
+            <a:pPr lvl="7"/>
+            <a:r>
+              <a:rPr lang="en-US" sz="1800" dirty="0"/>
+              <a:t>	</a:t>
+            </a:r>
+            <a:endParaRPr lang="en-US" sz="1800" dirty="0" smtClean="0"/>
+          </a:p>
+          <a:p>
+            <a:pPr lvl="7"/>
+            <a:r>
+              <a:rPr lang="en-US" sz="1800" dirty="0" err="1" smtClean="0"/>
+              <a:t>wc</a:t>
+            </a:r>
+            <a:r>
+              <a:rPr lang="en-US" sz="1800" dirty="0" smtClean="0"/>
+              <a:t> </a:t>
+            </a:r>
+            <a:r>
+              <a:rPr lang="en-US" sz="1800" dirty="0"/>
+              <a:t>$</a:t>
+            </a:r>
+            <a:r>
+              <a:rPr lang="en-US" sz="1800" dirty="0" err="1"/>
+              <a:t>filelist</a:t>
+            </a:r>
+            <a:endParaRPr lang="en-US" sz="1800" dirty="0"/>
+          </a:p>
+          <a:p>
+            <a:endParaRPr lang="en-US" dirty="0"/>
+          </a:p>
+        </p:txBody>
+      </p:sp>
+      <p:sp>
+        <p:nvSpPr>
+          <p:cNvPr id="5" name="TextBox 4"/>
+          <p:cNvSpPr txBox="1"/>
+          <p:nvPr/>
+        </p:nvSpPr>
+        <p:spPr>
+          <a:xfrm>
+            <a:off x="5526157" y="1645920"/>
+            <a:ext cx="4279127" cy="3231654"/>
+          </a:xfrm>
+          <a:prstGeom prst="rect">
+            <a:avLst/>
+          </a:prstGeom>
+          <a:noFill/>
+        </p:spPr>
+        <p:txBody>
+          <a:bodyPr wrap="square" rtlCol="0">
+            <a:spAutoFit/>
+          </a:bodyPr>
+          <a:lstStyle/>
+          <a:p>
+            <a:pPr lvl="7"/>
+            <a:r>
+              <a:rPr lang="en-US" sz="2400" dirty="0" smtClean="0"/>
+              <a:t>Several ways of evaluating:</a:t>
+            </a:r>
+          </a:p>
+          <a:p>
+            <a:pPr lvl="7"/>
+            <a:endParaRPr lang="en-US" sz="2000" dirty="0" smtClean="0"/>
+          </a:p>
+          <a:p>
+            <a:pPr lvl="7"/>
+            <a:r>
+              <a:rPr lang="en-US" sz="2000" dirty="0" smtClean="0"/>
+              <a:t>	$a</a:t>
+            </a:r>
+          </a:p>
+          <a:p>
+            <a:pPr lvl="7"/>
+            <a:endParaRPr lang="en-US" sz="2000" dirty="0" smtClean="0"/>
+          </a:p>
+          <a:p>
+            <a:pPr lvl="7"/>
+            <a:r>
+              <a:rPr lang="en-US" sz="2000" dirty="0"/>
+              <a:t>	</a:t>
+            </a:r>
+            <a:r>
+              <a:rPr lang="en-US" sz="2000" dirty="0" smtClean="0"/>
+              <a:t>${a}</a:t>
+            </a:r>
+          </a:p>
+          <a:p>
+            <a:pPr lvl="7"/>
+            <a:r>
+              <a:rPr lang="en-US" sz="2000" dirty="0"/>
+              <a:t>	</a:t>
+            </a:r>
+            <a:endParaRPr lang="en-US" sz="2000" dirty="0" smtClean="0"/>
+          </a:p>
+          <a:p>
+            <a:pPr lvl="7"/>
+            <a:r>
+              <a:rPr lang="en-US" sz="2000" dirty="0"/>
+              <a:t>	</a:t>
+            </a:r>
+            <a:r>
+              <a:rPr lang="en-US" sz="2000" dirty="0" smtClean="0"/>
+              <a:t>“$a”</a:t>
+            </a:r>
+          </a:p>
+          <a:p>
+            <a:pPr lvl="7"/>
+            <a:endParaRPr lang="en-US" sz="2000" dirty="0"/>
+          </a:p>
+          <a:p>
+            <a:pPr lvl="7"/>
+            <a:r>
+              <a:rPr lang="en-US" sz="2000" dirty="0" smtClean="0"/>
+              <a:t>These differ slightly, and you will see us use them all in scripts</a:t>
+            </a:r>
+            <a:r>
+              <a:rPr lang="en-US" sz="1800" dirty="0"/>
+              <a:t>	</a:t>
+            </a:r>
+            <a:endParaRPr lang="en-US" sz="1800" dirty="0" smtClean="0"/>
+          </a:p>
+        </p:txBody>
+      </p:sp>
+      <p:cxnSp>
+        <p:nvCxnSpPr>
+          <p:cNvPr id="7" name="Straight Connector 6"/>
+          <p:cNvCxnSpPr/>
+          <p:nvPr/>
+        </p:nvCxnSpPr>
+        <p:spPr>
+          <a:xfrm>
+            <a:off x="5287617" y="1415332"/>
+            <a:ext cx="15903" cy="3935896"/>
+          </a:xfrm>
+          <a:prstGeom prst="line">
+            <a:avLst/>
+          </a:prstGeom>
+          <a:ln w="28575">
+            <a:solidFill>
+              <a:schemeClr val="tx1"/>
+            </a:solidFill>
+          </a:ln>
+        </p:spPr>
+        <p:style>
+          <a:lnRef idx="1">
+            <a:schemeClr val="accent1"/>
+          </a:lnRef>
+          <a:fillRef idx="0">
+            <a:schemeClr val="accent1"/>
+          </a:fillRef>
+          <a:effectRef idx="0">
+            <a:schemeClr val="accent1"/>
+          </a:effectRef>
+          <a:fontRef idx="minor">
+            <a:schemeClr val="tx1"/>
+          </a:fontRef>
+        </p:style>
+      </p:cxnSp>
+    </p:spTree>
+    <p:extLst>
+      <p:ext uri="{BB962C8B-B14F-4D97-AF65-F5344CB8AC3E}">
+        <p14:creationId xmlns:p14="http://schemas.microsoft.com/office/powerpoint/2010/main" val="1857764070"/>
+      </p:ext>
+    </p:extLst>
+  </p:cSld>
+  <p:clrMapOvr>
+    <a:masterClrMapping/>
+  </p:clrMapOvr>
+</p:sld>
+</file>
+
+<file path=ppt/slides/slide12.xml><?xml version="1.0" encoding="utf-8"?>
+<p:sld xmlns:a="http://schemas.openxmlformats.org/drawingml/2006/main" xmlns:r="http://schemas.openxmlformats.org/officeDocument/2006/relationships" xmlns:p="http://schemas.openxmlformats.org/presentationml/2006/main">
+  <p:cSld>
+    <p:spTree>
+      <p:nvGrpSpPr>
+        <p:cNvPr id="1" name="Shape 171"/>
+        <p:cNvGrpSpPr/>
+        <p:nvPr/>
+      </p:nvGrpSpPr>
+      <p:grpSpPr>
+        <a:xfrm>
+          <a:off x="0" y="0"/>
+          <a:ext cx="0" cy="0"/>
+          <a:chOff x="0" y="0"/>
+          <a:chExt cx="0" cy="0"/>
+        </a:xfrm>
+      </p:grpSpPr>
+      <p:sp>
+        <p:nvSpPr>
+          <p:cNvPr id="172" name="Google Shape;172;p8"/>
+          <p:cNvSpPr txBox="1">
+            <a:spLocks noGrp="1"/>
+          </p:cNvSpPr>
+          <p:nvPr>
+            <p:ph type="title" idx="4294967295"/>
+          </p:nvPr>
+        </p:nvSpPr>
+        <p:spPr>
+          <a:xfrm>
+            <a:off x="503999" y="195852"/>
+            <a:ext cx="9071640" cy="946440"/>
+          </a:xfrm>
+          <a:prstGeom prst="rect">
+            <a:avLst/>
+          </a:prstGeom>
+          <a:noFill/>
+          <a:ln>
+            <a:noFill/>
+          </a:ln>
+        </p:spPr>
+        <p:txBody>
+          <a:bodyPr spcFirstLastPara="1" wrap="square" lIns="0" tIns="0" rIns="0" bIns="0" anchor="ctr" anchorCtr="0">
+            <a:noAutofit/>
+          </a:bodyPr>
+          <a:lstStyle/>
+          <a:p>
+            <a:pPr marL="0" lvl="0" indent="0" algn="ctr" rtl="0">
+              <a:spcBef>
+                <a:spcPts val="0"/>
+              </a:spcBef>
+              <a:spcAft>
+                <a:spcPts val="0"/>
+              </a:spcAft>
+              <a:buNone/>
+            </a:pPr>
+            <a:r>
+              <a:rPr lang="en-US">
+                <a:highlight>
+                  <a:schemeClr val="lt1"/>
+                </a:highlight>
+                <a:latin typeface="Calibri"/>
+                <a:ea typeface="Calibri"/>
+                <a:cs typeface="Calibri"/>
+                <a:sym typeface="Calibri"/>
+              </a:rPr>
+              <a:t>Trimming fastq files with Trimmomatic</a:t>
+            </a:r>
+            <a:endParaRPr>
+              <a:highlight>
+                <a:schemeClr val="lt1"/>
+              </a:highlight>
+              <a:latin typeface="Calibri"/>
+              <a:ea typeface="Calibri"/>
+              <a:cs typeface="Calibri"/>
+              <a:sym typeface="Calibri"/>
+            </a:endParaRPr>
+          </a:p>
+        </p:txBody>
+      </p:sp>
+      <p:sp>
+        <p:nvSpPr>
+          <p:cNvPr id="173" name="Google Shape;173;p8"/>
+          <p:cNvSpPr txBox="1"/>
+          <p:nvPr/>
+        </p:nvSpPr>
+        <p:spPr>
+          <a:xfrm>
+            <a:off x="503999" y="1343770"/>
+            <a:ext cx="9071640" cy="3929522"/>
+          </a:xfrm>
+          <a:prstGeom prst="rect">
+            <a:avLst/>
+          </a:prstGeom>
+          <a:noFill/>
+          <a:ln>
+            <a:noFill/>
+          </a:ln>
+        </p:spPr>
+        <p:txBody>
+          <a:bodyPr spcFirstLastPara="1" wrap="square" lIns="0" tIns="0" rIns="0" bIns="0" anchor="t" anchorCtr="0">
+            <a:normAutofit/>
+          </a:bodyPr>
+          <a:lstStyle/>
+          <a:p>
+            <a:pPr marL="457200" marR="0" lvl="0" indent="-457200" algn="l" rtl="0">
+              <a:spcBef>
+                <a:spcPts val="0"/>
+              </a:spcBef>
+              <a:spcAft>
+                <a:spcPts val="0"/>
+              </a:spcAft>
+              <a:buClr>
+                <a:srgbClr val="000000"/>
+              </a:buClr>
+              <a:buSzPts val="3200"/>
+              <a:buFont typeface="Arial"/>
+              <a:buChar char="•"/>
+            </a:pPr>
+            <a:r>
+              <a:rPr lang="en-US" sz="2800" b="0" i="0" u="none" strike="noStrike" cap="none" dirty="0">
+                <a:solidFill>
+                  <a:srgbClr val="000000"/>
+                </a:solidFill>
+                <a:highlight>
+                  <a:schemeClr val="lt1"/>
+                </a:highlight>
+                <a:latin typeface="Calibri"/>
+                <a:ea typeface="Calibri"/>
+                <a:cs typeface="Calibri"/>
+                <a:sym typeface="Calibri"/>
+              </a:rPr>
+              <a:t>Follow </a:t>
+            </a:r>
+            <a:r>
+              <a:rPr lang="en-US" sz="2800" b="0" i="0" u="none" strike="noStrike" cap="none" dirty="0" err="1">
+                <a:solidFill>
+                  <a:srgbClr val="000000"/>
+                </a:solidFill>
+                <a:highlight>
+                  <a:schemeClr val="lt1"/>
+                </a:highlight>
+                <a:latin typeface="Calibri"/>
+                <a:ea typeface="Calibri"/>
+                <a:cs typeface="Calibri"/>
+                <a:sym typeface="Calibri"/>
+              </a:rPr>
+              <a:t>Trimomatic</a:t>
+            </a:r>
+            <a:r>
+              <a:rPr lang="en-US" sz="2800" b="0" i="0" u="none" strike="noStrike" cap="none" dirty="0">
+                <a:solidFill>
+                  <a:srgbClr val="000000"/>
+                </a:solidFill>
+                <a:highlight>
+                  <a:schemeClr val="lt1"/>
+                </a:highlight>
+                <a:latin typeface="Calibri"/>
+                <a:ea typeface="Calibri"/>
+                <a:cs typeface="Calibri"/>
+                <a:sym typeface="Calibri"/>
+              </a:rPr>
+              <a:t> worksheet </a:t>
+            </a:r>
+            <a:r>
+              <a:rPr lang="en-US" sz="2800" b="0" i="0" u="none" strike="noStrike" cap="none" dirty="0" smtClean="0">
+                <a:solidFill>
+                  <a:srgbClr val="000000"/>
+                </a:solidFill>
+                <a:highlight>
+                  <a:schemeClr val="lt1"/>
+                </a:highlight>
+                <a:latin typeface="Calibri"/>
+                <a:ea typeface="Calibri"/>
+                <a:cs typeface="Calibri"/>
+                <a:sym typeface="Calibri"/>
+              </a:rPr>
+              <a:t>to:</a:t>
+            </a:r>
+          </a:p>
+          <a:p>
+            <a:pPr marL="457200" marR="0" lvl="0" indent="-457200" algn="l" rtl="0">
+              <a:spcBef>
+                <a:spcPts val="0"/>
+              </a:spcBef>
+              <a:spcAft>
+                <a:spcPts val="0"/>
+              </a:spcAft>
+              <a:buClr>
+                <a:srgbClr val="000000"/>
+              </a:buClr>
+              <a:buSzPts val="3200"/>
+              <a:buFont typeface="Arial"/>
+              <a:buChar char="•"/>
+            </a:pPr>
+            <a:endParaRPr lang="en-US" sz="1200" dirty="0">
+              <a:highlight>
+                <a:schemeClr val="lt1"/>
+              </a:highlight>
+              <a:ea typeface="Calibri"/>
+            </a:endParaRPr>
+          </a:p>
+          <a:p>
+            <a:pPr marL="457200" lvl="2" indent="-457200">
+              <a:buSzPts val="3200"/>
+              <a:buFont typeface="Arial"/>
+              <a:buChar char="•"/>
+            </a:pPr>
+            <a:r>
+              <a:rPr lang="en-US" sz="2800" dirty="0" smtClean="0">
+                <a:highlight>
+                  <a:schemeClr val="lt1"/>
+                </a:highlight>
+                <a:latin typeface="Calibri"/>
+                <a:ea typeface="Calibri"/>
+                <a:cs typeface="Calibri"/>
+                <a:sym typeface="Calibri"/>
+              </a:rPr>
+              <a:t>Create Day4 </a:t>
+            </a:r>
+            <a:r>
+              <a:rPr lang="en-US" sz="2800" dirty="0" smtClean="0">
+                <a:highlight>
+                  <a:schemeClr val="lt1"/>
+                </a:highlight>
+                <a:latin typeface="Calibri"/>
+                <a:ea typeface="Calibri"/>
+                <a:cs typeface="Calibri"/>
+                <a:sym typeface="Calibri"/>
+              </a:rPr>
+              <a:t>directories</a:t>
+            </a:r>
+          </a:p>
+          <a:p>
+            <a:pPr marL="457200" lvl="2" indent="-457200">
+              <a:buSzPts val="3200"/>
+              <a:buFont typeface="Arial"/>
+              <a:buChar char="•"/>
+            </a:pPr>
+            <a:endParaRPr lang="en-US" sz="1200" dirty="0" smtClean="0">
+              <a:highlight>
+                <a:schemeClr val="lt1"/>
+              </a:highlight>
+              <a:latin typeface="Calibri"/>
+              <a:ea typeface="Calibri"/>
+              <a:cs typeface="Calibri"/>
+              <a:sym typeface="Calibri"/>
+            </a:endParaRPr>
+          </a:p>
+          <a:p>
+            <a:pPr marL="457200" marR="0" lvl="0" indent="-457200" algn="l" rtl="0">
+              <a:spcBef>
+                <a:spcPts val="0"/>
+              </a:spcBef>
+              <a:spcAft>
+                <a:spcPts val="0"/>
+              </a:spcAft>
+              <a:buClr>
+                <a:srgbClr val="000000"/>
+              </a:buClr>
+              <a:buSzPts val="3200"/>
+              <a:buFont typeface="Arial"/>
+              <a:buChar char="•"/>
+            </a:pPr>
+            <a:r>
+              <a:rPr lang="en-US" sz="2800" b="0" i="0" u="none" strike="noStrike" cap="none" dirty="0" smtClean="0">
+                <a:solidFill>
+                  <a:srgbClr val="000000"/>
+                </a:solidFill>
+                <a:highlight>
+                  <a:schemeClr val="lt1"/>
+                </a:highlight>
+                <a:latin typeface="Calibri"/>
+                <a:ea typeface="Calibri"/>
+                <a:cs typeface="Calibri"/>
+                <a:sym typeface="Calibri"/>
+              </a:rPr>
+              <a:t>Edit </a:t>
+            </a:r>
+            <a:r>
+              <a:rPr lang="en-US" sz="2800" b="0" i="0" u="none" strike="noStrike" cap="none" dirty="0">
+                <a:solidFill>
+                  <a:srgbClr val="000000"/>
+                </a:solidFill>
+                <a:highlight>
+                  <a:schemeClr val="lt1"/>
+                </a:highlight>
+                <a:latin typeface="Calibri"/>
+                <a:ea typeface="Calibri"/>
+                <a:cs typeface="Calibri"/>
+                <a:sym typeface="Calibri"/>
+              </a:rPr>
+              <a:t>script to run </a:t>
+            </a:r>
+            <a:r>
+              <a:rPr lang="en-US" sz="2800" dirty="0" err="1" smtClean="0">
+                <a:highlight>
+                  <a:schemeClr val="lt1"/>
+                </a:highlight>
+                <a:latin typeface="Calibri"/>
+                <a:ea typeface="Calibri"/>
+                <a:cs typeface="Calibri"/>
+                <a:sym typeface="Calibri"/>
+              </a:rPr>
+              <a:t>T</a:t>
+            </a:r>
+            <a:r>
+              <a:rPr lang="en-US" sz="2800" b="0" i="0" u="none" strike="noStrike" cap="none" dirty="0" err="1" smtClean="0">
+                <a:solidFill>
+                  <a:srgbClr val="000000"/>
+                </a:solidFill>
+                <a:highlight>
+                  <a:schemeClr val="lt1"/>
+                </a:highlight>
+                <a:latin typeface="Calibri"/>
+                <a:ea typeface="Calibri"/>
+                <a:cs typeface="Calibri"/>
+                <a:sym typeface="Calibri"/>
+              </a:rPr>
+              <a:t>rimmomatic</a:t>
+            </a:r>
+            <a:endParaRPr lang="en-US" sz="2800" b="0" i="0" u="none" strike="noStrike" cap="none" dirty="0" smtClean="0">
+              <a:solidFill>
+                <a:srgbClr val="000000"/>
+              </a:solidFill>
+              <a:highlight>
+                <a:schemeClr val="lt1"/>
+              </a:highlight>
+              <a:latin typeface="Calibri"/>
+              <a:ea typeface="Calibri"/>
+              <a:cs typeface="Calibri"/>
+              <a:sym typeface="Calibri"/>
+            </a:endParaRPr>
+          </a:p>
+          <a:p>
+            <a:pPr lvl="8">
+              <a:buSzPts val="3200"/>
+            </a:pPr>
+            <a:r>
+              <a:rPr lang="en-US" sz="2800" dirty="0" smtClean="0">
+                <a:highlight>
+                  <a:schemeClr val="lt1"/>
+                </a:highlight>
+                <a:latin typeface="Calibri"/>
+                <a:ea typeface="Calibri"/>
+                <a:cs typeface="Calibri"/>
+                <a:sym typeface="Calibri"/>
+              </a:rPr>
+              <a:t>	Input: </a:t>
+            </a:r>
+            <a:r>
+              <a:rPr lang="en-US" sz="2800" dirty="0" err="1" smtClean="0">
+                <a:highlight>
+                  <a:schemeClr val="lt1"/>
+                </a:highlight>
+                <a:latin typeface="Calibri"/>
+                <a:ea typeface="Calibri"/>
+                <a:cs typeface="Calibri"/>
+                <a:sym typeface="Calibri"/>
+              </a:rPr>
+              <a:t>f</a:t>
+            </a:r>
+            <a:r>
+              <a:rPr lang="en-US" sz="2800" b="0" i="0" u="none" strike="noStrike" cap="none" dirty="0" err="1" smtClean="0">
+                <a:solidFill>
+                  <a:srgbClr val="000000"/>
+                </a:solidFill>
+                <a:highlight>
+                  <a:schemeClr val="lt1"/>
+                </a:highlight>
+                <a:latin typeface="Calibri"/>
+                <a:ea typeface="Calibri"/>
+                <a:cs typeface="Calibri"/>
+                <a:sym typeface="Calibri"/>
+              </a:rPr>
+              <a:t>astq</a:t>
+            </a:r>
+            <a:r>
+              <a:rPr lang="en-US" sz="2800" b="0" i="0" u="none" strike="noStrike" cap="none" dirty="0" smtClean="0">
+                <a:solidFill>
+                  <a:srgbClr val="000000"/>
+                </a:solidFill>
+                <a:highlight>
+                  <a:schemeClr val="lt1"/>
+                </a:highlight>
+                <a:latin typeface="Calibri"/>
+                <a:ea typeface="Calibri"/>
+                <a:cs typeface="Calibri"/>
+                <a:sym typeface="Calibri"/>
+              </a:rPr>
+              <a:t> files with full-length reads</a:t>
+            </a:r>
+          </a:p>
+          <a:p>
+            <a:pPr lvl="8">
+              <a:buSzPts val="3200"/>
+            </a:pPr>
+            <a:r>
+              <a:rPr lang="en-US" sz="2800" dirty="0">
+                <a:highlight>
+                  <a:schemeClr val="lt1"/>
+                </a:highlight>
+                <a:latin typeface="Calibri"/>
+                <a:ea typeface="Calibri"/>
+                <a:cs typeface="Calibri"/>
+                <a:sym typeface="Calibri"/>
+              </a:rPr>
+              <a:t>	</a:t>
+            </a:r>
+            <a:r>
+              <a:rPr lang="en-US" sz="2800" dirty="0" smtClean="0">
+                <a:highlight>
+                  <a:schemeClr val="lt1"/>
+                </a:highlight>
+                <a:latin typeface="Calibri"/>
+                <a:ea typeface="Calibri"/>
+                <a:cs typeface="Calibri"/>
+                <a:sym typeface="Calibri"/>
+              </a:rPr>
+              <a:t>Output: </a:t>
+            </a:r>
+            <a:r>
+              <a:rPr lang="en-US" sz="2800" dirty="0" err="1" smtClean="0">
+                <a:highlight>
+                  <a:schemeClr val="lt1"/>
+                </a:highlight>
+                <a:latin typeface="Calibri"/>
+                <a:ea typeface="Calibri"/>
+                <a:cs typeface="Calibri"/>
+                <a:sym typeface="Calibri"/>
+              </a:rPr>
+              <a:t>fastq</a:t>
+            </a:r>
+            <a:r>
+              <a:rPr lang="en-US" sz="2800" dirty="0" smtClean="0">
+                <a:highlight>
+                  <a:schemeClr val="lt1"/>
+                </a:highlight>
+                <a:latin typeface="Calibri"/>
+                <a:ea typeface="Calibri"/>
+                <a:cs typeface="Calibri"/>
+                <a:sym typeface="Calibri"/>
+              </a:rPr>
+              <a:t> files with trimmed/filtered </a:t>
+            </a:r>
+            <a:r>
+              <a:rPr lang="en-US" sz="2800" dirty="0" smtClean="0">
+                <a:highlight>
+                  <a:schemeClr val="lt1"/>
+                </a:highlight>
+                <a:latin typeface="Calibri"/>
+                <a:ea typeface="Calibri"/>
+                <a:cs typeface="Calibri"/>
+                <a:sym typeface="Calibri"/>
+              </a:rPr>
+              <a:t>reads</a:t>
+            </a:r>
+          </a:p>
+          <a:p>
+            <a:pPr lvl="8">
+              <a:buSzPts val="3200"/>
+            </a:pPr>
+            <a:endParaRPr lang="en-US" sz="2800" dirty="0" smtClean="0">
+              <a:highlight>
+                <a:schemeClr val="lt1"/>
+              </a:highlight>
+              <a:latin typeface="Calibri"/>
+              <a:ea typeface="Calibri"/>
+              <a:cs typeface="Calibri"/>
+              <a:sym typeface="Calibri"/>
+            </a:endParaRPr>
+          </a:p>
+          <a:p>
+            <a:pPr marL="457200" lvl="8" indent="-457200">
+              <a:buSzPts val="3200"/>
+              <a:buFont typeface="Arial" panose="020B0604020202020204" pitchFamily="34" charset="0"/>
+              <a:buChar char="•"/>
+            </a:pPr>
+            <a:r>
+              <a:rPr lang="en-US" sz="2800" dirty="0" smtClean="0">
+                <a:highlight>
+                  <a:schemeClr val="lt1"/>
+                </a:highlight>
+                <a:latin typeface="Calibri"/>
+                <a:ea typeface="Calibri"/>
+                <a:cs typeface="Calibri"/>
+                <a:sym typeface="Calibri"/>
+              </a:rPr>
+              <a:t>Extra: Edit the d4_fastqc.sbatch script to run pre-trim qc and compare </a:t>
+            </a:r>
+            <a:r>
+              <a:rPr lang="en-US" sz="2800" smtClean="0">
+                <a:highlight>
+                  <a:schemeClr val="lt1"/>
+                </a:highlight>
+                <a:latin typeface="Calibri"/>
+                <a:ea typeface="Calibri"/>
+                <a:cs typeface="Calibri"/>
+                <a:sym typeface="Calibri"/>
+              </a:rPr>
+              <a:t>the plots/stats to </a:t>
+            </a:r>
+            <a:r>
+              <a:rPr lang="en-US" sz="2800" dirty="0" smtClean="0">
+                <a:highlight>
+                  <a:schemeClr val="lt1"/>
+                </a:highlight>
+                <a:latin typeface="Calibri"/>
+                <a:ea typeface="Calibri"/>
+                <a:cs typeface="Calibri"/>
+                <a:sym typeface="Calibri"/>
+              </a:rPr>
+              <a:t>post-trim</a:t>
+            </a:r>
+            <a:endParaRPr sz="2800" b="0" i="0" u="none" strike="noStrike" cap="none" dirty="0">
+              <a:solidFill>
+                <a:srgbClr val="000000"/>
+              </a:solidFill>
+              <a:highlight>
+                <a:schemeClr val="lt1"/>
+              </a:highlight>
+              <a:latin typeface="Calibri"/>
+              <a:ea typeface="Calibri"/>
+              <a:cs typeface="Calibri"/>
+              <a:sym typeface="Calibri"/>
+            </a:endParaRPr>
+          </a:p>
+        </p:txBody>
+      </p:sp>
+    </p:spTree>
+  </p:cSld>
+  <p:clrMapOvr>
+    <a:masterClrMapping/>
+  </p:clrMapOvr>
+</p:sld>
+</file>
+
+<file path=ppt/slides/slide13.xml><?xml version="1.0" encoding="utf-8"?>
+<p:sld xmlns:a="http://schemas.openxmlformats.org/drawingml/2006/main" xmlns:r="http://schemas.openxmlformats.org/officeDocument/2006/relationships" xmlns:p="http://schemas.openxmlformats.org/presentationml/2006/main">
+  <p:cSld>
+    <p:spTree>
+      <p:nvGrpSpPr>
+        <p:cNvPr id="1" name="Shape 178"/>
+        <p:cNvGrpSpPr/>
+        <p:nvPr/>
+      </p:nvGrpSpPr>
+      <p:grpSpPr>
+        <a:xfrm>
+          <a:off x="0" y="0"/>
+          <a:ext cx="0" cy="0"/>
+          <a:chOff x="0" y="0"/>
+          <a:chExt cx="0" cy="0"/>
+        </a:xfrm>
+      </p:grpSpPr>
+      <p:sp>
+        <p:nvSpPr>
+          <p:cNvPr id="179" name="Google Shape;179;p9"/>
+          <p:cNvSpPr txBox="1">
+            <a:spLocks noGrp="1"/>
+          </p:cNvSpPr>
+          <p:nvPr>
+            <p:ph type="title" idx="4294967295"/>
+          </p:nvPr>
+        </p:nvSpPr>
+        <p:spPr>
+          <a:xfrm>
+            <a:off x="503999" y="174079"/>
+            <a:ext cx="9071640" cy="1487805"/>
+          </a:xfrm>
+          <a:prstGeom prst="rect">
+            <a:avLst/>
+          </a:prstGeom>
+          <a:noFill/>
+          <a:ln>
+            <a:noFill/>
+          </a:ln>
+        </p:spPr>
+        <p:txBody>
+          <a:bodyPr spcFirstLastPara="1" wrap="square" lIns="0" tIns="0" rIns="0" bIns="0" anchor="ctr" anchorCtr="0">
+            <a:noAutofit/>
+          </a:bodyPr>
+          <a:lstStyle/>
+          <a:p>
+            <a:pPr marL="0" lvl="0" indent="0" algn="ctr" rtl="0">
+              <a:spcBef>
+                <a:spcPts val="0"/>
+              </a:spcBef>
+              <a:spcAft>
+                <a:spcPts val="0"/>
+              </a:spcAft>
+              <a:buNone/>
+            </a:pPr>
+            <a:r>
+              <a:rPr lang="en-US">
+                <a:highlight>
+                  <a:schemeClr val="lt1"/>
+                </a:highlight>
+                <a:latin typeface="Calibri"/>
+                <a:ea typeface="Calibri"/>
+                <a:cs typeface="Calibri"/>
+                <a:sym typeface="Calibri"/>
+              </a:rPr>
+              <a:t>How do you trim polyA regions from both sides of reads?</a:t>
+            </a:r>
+            <a:endParaRPr>
+              <a:highlight>
+                <a:schemeClr val="lt1"/>
+              </a:highlight>
+              <a:latin typeface="Calibri"/>
+              <a:ea typeface="Calibri"/>
+              <a:cs typeface="Calibri"/>
+              <a:sym typeface="Calibri"/>
+            </a:endParaRPr>
+          </a:p>
+        </p:txBody>
+      </p:sp>
+    </p:spTree>
+  </p:cSld>
+  <p:clrMapOvr>
+    <a:masterClrMapping/>
+  </p:clrMapOvr>
+</p:sld>
+</file>
+
+<file path=ppt/slides/slide14.xml><?xml version="1.0" encoding="utf-8"?>
+<p:sld xmlns:a="http://schemas.openxmlformats.org/drawingml/2006/main" xmlns:r="http://schemas.openxmlformats.org/officeDocument/2006/relationships" xmlns:p="http://schemas.openxmlformats.org/presentationml/2006/main">
+  <p:cSld>
+    <p:spTree>
+      <p:nvGrpSpPr>
         <p:cNvPr id="1" name="Shape 184"/>
         <p:cNvGrpSpPr/>
         <p:nvPr/>
@@ -15263,7 +15702,7 @@
 </p:sld>
 </file>
 
-<file path=ppt/slides/slide11.xml><?xml version="1.0" encoding="utf-8"?>
+<file path=ppt/slides/slide15.xml><?xml version="1.0" encoding="utf-8"?>
 <p:sld xmlns:a="http://schemas.openxmlformats.org/drawingml/2006/main" xmlns:r="http://schemas.openxmlformats.org/officeDocument/2006/relationships" xmlns:p="http://schemas.openxmlformats.org/presentationml/2006/main">
   <p:cSld>
     <p:spTree>
@@ -15757,7 +16196,7 @@
 </p:sld>
 </file>
 
-<file path=ppt/slides/slide12.xml><?xml version="1.0" encoding="utf-8"?>
+<file path=ppt/slides/slide16.xml><?xml version="1.0" encoding="utf-8"?>
 <p:sld xmlns:a="http://schemas.openxmlformats.org/drawingml/2006/main" xmlns:r="http://schemas.openxmlformats.org/officeDocument/2006/relationships" xmlns:p="http://schemas.openxmlformats.org/presentationml/2006/main">
   <p:cSld>
     <p:spTree>
@@ -18477,7 +18916,7 @@
   <p:cSld>
     <p:spTree>
       <p:nvGrpSpPr>
-        <p:cNvPr id="1" name="Shape 171"/>
+        <p:cNvPr id="1" name=""/>
         <p:cNvGrpSpPr/>
         <p:nvPr/>
       </p:nvGrpSpPr>
@@ -18491,542 +18930,41 @@
       </p:grpSpPr>
       <p:sp>
         <p:nvSpPr>
-          <p:cNvPr id="172" name="Google Shape;172;p8"/>
-          <p:cNvSpPr txBox="1">
-            <a:spLocks noGrp="1"/>
-          </p:cNvSpPr>
-          <p:nvPr>
-            <p:ph type="title" idx="4294967295"/>
-          </p:nvPr>
+          <p:cNvPr id="2" name="TextBox 1"/>
+          <p:cNvSpPr txBox="1"/>
+          <p:nvPr/>
         </p:nvSpPr>
         <p:spPr>
           <a:xfrm>
-            <a:off x="503999" y="195852"/>
-            <a:ext cx="9071640" cy="946440"/>
+            <a:off x="2902226" y="310100"/>
+            <a:ext cx="4158532" cy="707886"/>
           </a:xfrm>
           <a:prstGeom prst="rect">
             <a:avLst/>
           </a:prstGeom>
           <a:noFill/>
-          <a:ln>
-            <a:noFill/>
-          </a:ln>
         </p:spPr>
         <p:txBody>
-          <a:bodyPr spcFirstLastPara="1" wrap="square" lIns="0" tIns="0" rIns="0" bIns="0" anchor="ctr" anchorCtr="0">
-            <a:noAutofit/>
+          <a:bodyPr wrap="square" rtlCol="0">
+            <a:spAutoFit/>
           </a:bodyPr>
           <a:lstStyle/>
           <a:p>
-            <a:pPr marL="0" lvl="0" indent="0" algn="ctr" rtl="0">
-              <a:spcBef>
-                <a:spcPts val="0"/>
-              </a:spcBef>
-              <a:spcAft>
-                <a:spcPts val="0"/>
-              </a:spcAft>
-              <a:buNone/>
-            </a:pPr>
+            <a:pPr algn="ctr"/>
             <a:r>
-              <a:rPr lang="en-US">
-                <a:highlight>
-                  <a:schemeClr val="lt1"/>
-                </a:highlight>
-                <a:latin typeface="Calibri"/>
-                <a:ea typeface="Calibri"/>
-                <a:cs typeface="Calibri"/>
-                <a:sym typeface="Calibri"/>
-              </a:rPr>
-              <a:t>Trimming fastq files with Trimmomatic</a:t>
+              <a:rPr lang="en-US" sz="4000" dirty="0" smtClean="0"/>
+              <a:t>Variables</a:t>
             </a:r>
-            <a:endParaRPr>
-              <a:highlight>
-                <a:schemeClr val="lt1"/>
-              </a:highlight>
-              <a:latin typeface="Calibri"/>
-              <a:ea typeface="Calibri"/>
-              <a:cs typeface="Calibri"/>
-              <a:sym typeface="Calibri"/>
-            </a:endParaRPr>
-          </a:p>
-        </p:txBody>
-      </p:sp>
-      <p:sp>
-        <p:nvSpPr>
-          <p:cNvPr id="173" name="Google Shape;173;p8"/>
-          <p:cNvSpPr txBox="1"/>
-          <p:nvPr/>
-        </p:nvSpPr>
-        <p:spPr>
-          <a:xfrm>
-            <a:off x="503999" y="1617204"/>
-            <a:ext cx="9071640" cy="3656088"/>
-          </a:xfrm>
-          <a:prstGeom prst="rect">
-            <a:avLst/>
-          </a:prstGeom>
-          <a:noFill/>
-          <a:ln>
-            <a:noFill/>
-          </a:ln>
-        </p:spPr>
-        <p:txBody>
-          <a:bodyPr spcFirstLastPara="1" wrap="square" lIns="0" tIns="0" rIns="0" bIns="0" anchor="t" anchorCtr="0">
-            <a:normAutofit/>
-          </a:bodyPr>
-          <a:lstStyle/>
-          <a:p>
-            <a:pPr marL="457200" marR="0" lvl="0" indent="-457200" algn="l" rtl="0">
-              <a:spcBef>
-                <a:spcPts val="0"/>
-              </a:spcBef>
-              <a:spcAft>
-                <a:spcPts val="0"/>
-              </a:spcAft>
-              <a:buClr>
-                <a:srgbClr val="000000"/>
-              </a:buClr>
-              <a:buSzPts val="3200"/>
-              <a:buFont typeface="Arial"/>
-              <a:buChar char="•"/>
-            </a:pPr>
-            <a:r>
-              <a:rPr lang="en-US" sz="3200" b="0" i="0" u="none" strike="noStrike" cap="none" dirty="0">
-                <a:solidFill>
-                  <a:srgbClr val="000000"/>
-                </a:solidFill>
-                <a:highlight>
-                  <a:schemeClr val="lt1"/>
-                </a:highlight>
-                <a:latin typeface="Calibri"/>
-                <a:ea typeface="Calibri"/>
-                <a:cs typeface="Calibri"/>
-                <a:sym typeface="Calibri"/>
-              </a:rPr>
-              <a:t>Follow </a:t>
-            </a:r>
-            <a:r>
-              <a:rPr lang="en-US" sz="3200" b="0" i="0" u="none" strike="noStrike" cap="none" dirty="0" err="1">
-                <a:solidFill>
-                  <a:srgbClr val="000000"/>
-                </a:solidFill>
-                <a:highlight>
-                  <a:schemeClr val="lt1"/>
-                </a:highlight>
-                <a:latin typeface="Calibri"/>
-                <a:ea typeface="Calibri"/>
-                <a:cs typeface="Calibri"/>
-                <a:sym typeface="Calibri"/>
-              </a:rPr>
-              <a:t>Trimomatic</a:t>
-            </a:r>
-            <a:r>
-              <a:rPr lang="en-US" sz="3200" b="0" i="0" u="none" strike="noStrike" cap="none" dirty="0">
-                <a:solidFill>
-                  <a:srgbClr val="000000"/>
-                </a:solidFill>
-                <a:highlight>
-                  <a:schemeClr val="lt1"/>
-                </a:highlight>
-                <a:latin typeface="Calibri"/>
-                <a:ea typeface="Calibri"/>
-                <a:cs typeface="Calibri"/>
-                <a:sym typeface="Calibri"/>
-              </a:rPr>
-              <a:t> worksheet </a:t>
-            </a:r>
-            <a:r>
-              <a:rPr lang="en-US" sz="3200" b="0" i="0" u="none" strike="noStrike" cap="none" dirty="0" smtClean="0">
-                <a:solidFill>
-                  <a:srgbClr val="000000"/>
-                </a:solidFill>
-                <a:highlight>
-                  <a:schemeClr val="lt1"/>
-                </a:highlight>
-                <a:latin typeface="Calibri"/>
-                <a:ea typeface="Calibri"/>
-                <a:cs typeface="Calibri"/>
-                <a:sym typeface="Calibri"/>
-              </a:rPr>
-              <a:t>to:</a:t>
-            </a:r>
-          </a:p>
-          <a:p>
-            <a:pPr marL="457200" marR="0" lvl="0" indent="-457200" algn="l" rtl="0">
-              <a:spcBef>
-                <a:spcPts val="0"/>
-              </a:spcBef>
-              <a:spcAft>
-                <a:spcPts val="0"/>
-              </a:spcAft>
-              <a:buClr>
-                <a:srgbClr val="000000"/>
-              </a:buClr>
-              <a:buSzPts val="3200"/>
-              <a:buFont typeface="Arial"/>
-              <a:buChar char="•"/>
-            </a:pPr>
-            <a:endParaRPr lang="en-US" dirty="0">
-              <a:highlight>
-                <a:schemeClr val="lt1"/>
-              </a:highlight>
-              <a:ea typeface="Calibri"/>
-            </a:endParaRPr>
-          </a:p>
-          <a:p>
-            <a:pPr marL="457200" lvl="2" indent="-457200">
-              <a:buSzPts val="3200"/>
-              <a:buFont typeface="Arial"/>
-              <a:buChar char="•"/>
-            </a:pPr>
-            <a:r>
-              <a:rPr lang="en-US" sz="3200" dirty="0" smtClean="0">
-                <a:highlight>
-                  <a:schemeClr val="lt1"/>
-                </a:highlight>
-                <a:latin typeface="Calibri"/>
-                <a:ea typeface="Calibri"/>
-                <a:cs typeface="Calibri"/>
-                <a:sym typeface="Calibri"/>
-              </a:rPr>
-              <a:t>Create Day4 directories and copy scripts </a:t>
-            </a:r>
-          </a:p>
-          <a:p>
-            <a:pPr marL="457200" marR="0" lvl="0" indent="-457200" algn="l" rtl="0">
-              <a:spcBef>
-                <a:spcPts val="0"/>
-              </a:spcBef>
-              <a:spcAft>
-                <a:spcPts val="0"/>
-              </a:spcAft>
-              <a:buClr>
-                <a:srgbClr val="000000"/>
-              </a:buClr>
-              <a:buSzPts val="3200"/>
-              <a:buFont typeface="Arial"/>
-              <a:buChar char="•"/>
-            </a:pPr>
-            <a:endParaRPr lang="en-US" dirty="0" smtClean="0">
-              <a:highlight>
-                <a:schemeClr val="lt1"/>
-              </a:highlight>
-              <a:latin typeface="Calibri"/>
-              <a:ea typeface="Calibri"/>
-              <a:cs typeface="Calibri"/>
-              <a:sym typeface="Calibri"/>
-            </a:endParaRPr>
-          </a:p>
-          <a:p>
-            <a:pPr marL="457200" marR="0" lvl="0" indent="-457200" algn="l" rtl="0">
-              <a:spcBef>
-                <a:spcPts val="0"/>
-              </a:spcBef>
-              <a:spcAft>
-                <a:spcPts val="0"/>
-              </a:spcAft>
-              <a:buClr>
-                <a:srgbClr val="000000"/>
-              </a:buClr>
-              <a:buSzPts val="3200"/>
-              <a:buFont typeface="Arial"/>
-              <a:buChar char="•"/>
-            </a:pPr>
-            <a:r>
-              <a:rPr lang="en-US" sz="3200" b="0" i="0" u="none" strike="noStrike" cap="none" dirty="0" smtClean="0">
-                <a:solidFill>
-                  <a:srgbClr val="000000"/>
-                </a:solidFill>
-                <a:highlight>
-                  <a:schemeClr val="lt1"/>
-                </a:highlight>
-                <a:latin typeface="Calibri"/>
-                <a:ea typeface="Calibri"/>
-                <a:cs typeface="Calibri"/>
-                <a:sym typeface="Calibri"/>
-              </a:rPr>
-              <a:t>Edit </a:t>
-            </a:r>
-            <a:r>
-              <a:rPr lang="en-US" sz="3200" b="0" i="0" u="none" strike="noStrike" cap="none" dirty="0">
-                <a:solidFill>
-                  <a:srgbClr val="000000"/>
-                </a:solidFill>
-                <a:highlight>
-                  <a:schemeClr val="lt1"/>
-                </a:highlight>
-                <a:latin typeface="Calibri"/>
-                <a:ea typeface="Calibri"/>
-                <a:cs typeface="Calibri"/>
-                <a:sym typeface="Calibri"/>
-              </a:rPr>
-              <a:t>script to run </a:t>
-            </a:r>
-            <a:r>
-              <a:rPr lang="en-US" sz="3200" dirty="0" err="1" smtClean="0">
-                <a:highlight>
-                  <a:schemeClr val="lt1"/>
-                </a:highlight>
-                <a:latin typeface="Calibri"/>
-                <a:ea typeface="Calibri"/>
-                <a:cs typeface="Calibri"/>
-                <a:sym typeface="Calibri"/>
-              </a:rPr>
-              <a:t>T</a:t>
-            </a:r>
-            <a:r>
-              <a:rPr lang="en-US" sz="3200" b="0" i="0" u="none" strike="noStrike" cap="none" dirty="0" err="1" smtClean="0">
-                <a:solidFill>
-                  <a:srgbClr val="000000"/>
-                </a:solidFill>
-                <a:highlight>
-                  <a:schemeClr val="lt1"/>
-                </a:highlight>
-                <a:latin typeface="Calibri"/>
-                <a:ea typeface="Calibri"/>
-                <a:cs typeface="Calibri"/>
-                <a:sym typeface="Calibri"/>
-              </a:rPr>
-              <a:t>rimmomatic</a:t>
-            </a:r>
-            <a:endParaRPr lang="en-US" sz="3200" b="0" i="0" u="none" strike="noStrike" cap="none" dirty="0" smtClean="0">
-              <a:solidFill>
-                <a:srgbClr val="000000"/>
-              </a:solidFill>
-              <a:highlight>
-                <a:schemeClr val="lt1"/>
-              </a:highlight>
-              <a:latin typeface="Calibri"/>
-              <a:ea typeface="Calibri"/>
-              <a:cs typeface="Calibri"/>
-              <a:sym typeface="Calibri"/>
-            </a:endParaRPr>
-          </a:p>
-          <a:p>
-            <a:pPr lvl="8">
-              <a:buSzPts val="3200"/>
-            </a:pPr>
-            <a:r>
-              <a:rPr lang="en-US" sz="3200" dirty="0" smtClean="0">
-                <a:highlight>
-                  <a:schemeClr val="lt1"/>
-                </a:highlight>
-                <a:latin typeface="Calibri"/>
-                <a:ea typeface="Calibri"/>
-                <a:cs typeface="Calibri"/>
-                <a:sym typeface="Calibri"/>
-              </a:rPr>
-              <a:t>	Input: </a:t>
-            </a:r>
-            <a:r>
-              <a:rPr lang="en-US" sz="3200" dirty="0" err="1" smtClean="0">
-                <a:highlight>
-                  <a:schemeClr val="lt1"/>
-                </a:highlight>
-                <a:latin typeface="Calibri"/>
-                <a:ea typeface="Calibri"/>
-                <a:cs typeface="Calibri"/>
-                <a:sym typeface="Calibri"/>
-              </a:rPr>
-              <a:t>f</a:t>
-            </a:r>
-            <a:r>
-              <a:rPr lang="en-US" sz="3200" b="0" i="0" u="none" strike="noStrike" cap="none" dirty="0" err="1" smtClean="0">
-                <a:solidFill>
-                  <a:srgbClr val="000000"/>
-                </a:solidFill>
-                <a:highlight>
-                  <a:schemeClr val="lt1"/>
-                </a:highlight>
-                <a:latin typeface="Calibri"/>
-                <a:ea typeface="Calibri"/>
-                <a:cs typeface="Calibri"/>
-                <a:sym typeface="Calibri"/>
-              </a:rPr>
-              <a:t>astq</a:t>
-            </a:r>
-            <a:r>
-              <a:rPr lang="en-US" sz="3200" b="0" i="0" u="none" strike="noStrike" cap="none" dirty="0" smtClean="0">
-                <a:solidFill>
-                  <a:srgbClr val="000000"/>
-                </a:solidFill>
-                <a:highlight>
-                  <a:schemeClr val="lt1"/>
-                </a:highlight>
-                <a:latin typeface="Calibri"/>
-                <a:ea typeface="Calibri"/>
-                <a:cs typeface="Calibri"/>
-                <a:sym typeface="Calibri"/>
-              </a:rPr>
-              <a:t> files with full-length reads</a:t>
-            </a:r>
-          </a:p>
-          <a:p>
-            <a:pPr lvl="8">
-              <a:buSzPts val="3200"/>
-            </a:pPr>
-            <a:r>
-              <a:rPr lang="en-US" sz="3200" dirty="0">
-                <a:highlight>
-                  <a:schemeClr val="lt1"/>
-                </a:highlight>
-                <a:latin typeface="Calibri"/>
-                <a:ea typeface="Calibri"/>
-                <a:cs typeface="Calibri"/>
-                <a:sym typeface="Calibri"/>
-              </a:rPr>
-              <a:t>	</a:t>
-            </a:r>
-            <a:r>
-              <a:rPr lang="en-US" sz="3200" dirty="0" smtClean="0">
-                <a:highlight>
-                  <a:schemeClr val="lt1"/>
-                </a:highlight>
-                <a:latin typeface="Calibri"/>
-                <a:ea typeface="Calibri"/>
-                <a:cs typeface="Calibri"/>
-                <a:sym typeface="Calibri"/>
-              </a:rPr>
-              <a:t>Output: </a:t>
-            </a:r>
-            <a:r>
-              <a:rPr lang="en-US" sz="3200" dirty="0" err="1" smtClean="0">
-                <a:highlight>
-                  <a:schemeClr val="lt1"/>
-                </a:highlight>
-                <a:latin typeface="Calibri"/>
-                <a:ea typeface="Calibri"/>
-                <a:cs typeface="Calibri"/>
-                <a:sym typeface="Calibri"/>
-              </a:rPr>
-              <a:t>fastq</a:t>
-            </a:r>
-            <a:r>
-              <a:rPr lang="en-US" sz="3200" dirty="0" smtClean="0">
-                <a:highlight>
-                  <a:schemeClr val="lt1"/>
-                </a:highlight>
-                <a:latin typeface="Calibri"/>
-                <a:ea typeface="Calibri"/>
-                <a:cs typeface="Calibri"/>
-                <a:sym typeface="Calibri"/>
-              </a:rPr>
-              <a:t> files with trimmed/filtered reads</a:t>
-            </a:r>
-            <a:endParaRPr lang="en-US" sz="3200" b="0" i="0" u="none" strike="noStrike" cap="none" dirty="0" smtClean="0">
-              <a:solidFill>
-                <a:srgbClr val="000000"/>
-              </a:solidFill>
-              <a:highlight>
-                <a:schemeClr val="lt1"/>
-              </a:highlight>
-              <a:latin typeface="Calibri"/>
-              <a:ea typeface="Calibri"/>
-              <a:cs typeface="Calibri"/>
-              <a:sym typeface="Calibri"/>
-            </a:endParaRPr>
-          </a:p>
-          <a:p>
-            <a:pPr lvl="8">
-              <a:buSzPts val="3200"/>
-            </a:pPr>
-            <a:endParaRPr lang="en-US" sz="3200" b="0" i="0" u="none" strike="noStrike" cap="none" dirty="0" smtClean="0">
-              <a:solidFill>
-                <a:srgbClr val="000000"/>
-              </a:solidFill>
-              <a:highlight>
-                <a:schemeClr val="lt1"/>
-              </a:highlight>
-              <a:latin typeface="Calibri"/>
-              <a:ea typeface="Calibri"/>
-              <a:cs typeface="Calibri"/>
-              <a:sym typeface="Calibri"/>
-            </a:endParaRPr>
-          </a:p>
-          <a:p>
-            <a:pPr marL="457200" marR="0" lvl="0" indent="-457200" algn="l" rtl="0">
-              <a:spcBef>
-                <a:spcPts val="0"/>
-              </a:spcBef>
-              <a:spcAft>
-                <a:spcPts val="0"/>
-              </a:spcAft>
-              <a:buClr>
-                <a:srgbClr val="000000"/>
-              </a:buClr>
-              <a:buSzPts val="3200"/>
-              <a:buFont typeface="Arial"/>
-              <a:buChar char="•"/>
-            </a:pPr>
-            <a:endParaRPr lang="en-US" sz="3200" dirty="0">
-              <a:highlight>
-                <a:schemeClr val="lt1"/>
-              </a:highlight>
-              <a:latin typeface="Calibri"/>
-              <a:ea typeface="Calibri"/>
-              <a:cs typeface="Calibri"/>
-              <a:sym typeface="Calibri"/>
-            </a:endParaRPr>
-          </a:p>
-          <a:p>
-            <a:pPr marL="457200" marR="0" lvl="0" indent="-457200" algn="l" rtl="0">
-              <a:spcBef>
-                <a:spcPts val="0"/>
-              </a:spcBef>
-              <a:spcAft>
-                <a:spcPts val="0"/>
-              </a:spcAft>
-              <a:buClr>
-                <a:srgbClr val="000000"/>
-              </a:buClr>
-              <a:buSzPts val="3200"/>
-              <a:buFont typeface="Arial"/>
-              <a:buChar char="•"/>
-            </a:pPr>
-            <a:endParaRPr sz="3200" b="0" i="0" u="none" strike="noStrike" cap="none" dirty="0">
-              <a:solidFill>
-                <a:srgbClr val="000000"/>
-              </a:solidFill>
-              <a:highlight>
-                <a:schemeClr val="lt1"/>
-              </a:highlight>
-              <a:latin typeface="Calibri"/>
-              <a:ea typeface="Calibri"/>
-              <a:cs typeface="Calibri"/>
-              <a:sym typeface="Calibri"/>
-            </a:endParaRPr>
-          </a:p>
-          <a:p>
-            <a:pPr marL="457200" marR="0" lvl="0" indent="-254000" algn="l" rtl="0">
-              <a:spcBef>
-                <a:spcPts val="1417"/>
-              </a:spcBef>
-              <a:spcAft>
-                <a:spcPts val="0"/>
-              </a:spcAft>
-              <a:buClr>
-                <a:schemeClr val="dk1"/>
-              </a:buClr>
-              <a:buSzPts val="3200"/>
-              <a:buFont typeface="Arial"/>
-              <a:buNone/>
-            </a:pPr>
-            <a:endParaRPr sz="3200" b="0" i="0" u="none" strike="noStrike" cap="none" dirty="0">
-              <a:solidFill>
-                <a:srgbClr val="000000"/>
-              </a:solidFill>
-              <a:highlight>
-                <a:schemeClr val="lt1"/>
-              </a:highlight>
-              <a:latin typeface="Calibri"/>
-              <a:ea typeface="Calibri"/>
-              <a:cs typeface="Calibri"/>
-              <a:sym typeface="Calibri"/>
-            </a:endParaRPr>
+            <a:endParaRPr lang="en-US" sz="3600" dirty="0"/>
           </a:p>
         </p:txBody>
       </p:sp>
     </p:spTree>
+    <p:extLst>
+      <p:ext uri="{BB962C8B-B14F-4D97-AF65-F5344CB8AC3E}">
+        <p14:creationId xmlns:p14="http://schemas.microsoft.com/office/powerpoint/2010/main" val="1123485894"/>
+      </p:ext>
+    </p:extLst>
   </p:cSld>
   <p:clrMapOvr>
     <a:masterClrMapping/>
@@ -19039,7 +18977,7 @@
   <p:cSld>
     <p:spTree>
       <p:nvGrpSpPr>
-        <p:cNvPr id="1" name="Shape 178"/>
+        <p:cNvPr id="1" name=""/>
         <p:cNvGrpSpPr/>
         <p:nvPr/>
       </p:nvGrpSpPr>
@@ -19053,67 +18991,152 @@
       </p:grpSpPr>
       <p:sp>
         <p:nvSpPr>
-          <p:cNvPr id="179" name="Google Shape;179;p9"/>
-          <p:cNvSpPr txBox="1">
-            <a:spLocks noGrp="1"/>
-          </p:cNvSpPr>
-          <p:nvPr>
-            <p:ph type="title" idx="4294967295"/>
-          </p:nvPr>
+          <p:cNvPr id="2" name="TextBox 1"/>
+          <p:cNvSpPr txBox="1"/>
+          <p:nvPr/>
         </p:nvSpPr>
         <p:spPr>
           <a:xfrm>
-            <a:off x="503999" y="174079"/>
-            <a:ext cx="9071640" cy="1487805"/>
+            <a:off x="993913" y="310100"/>
+            <a:ext cx="8038769" cy="707886"/>
           </a:xfrm>
           <a:prstGeom prst="rect">
             <a:avLst/>
           </a:prstGeom>
           <a:noFill/>
-          <a:ln>
-            <a:noFill/>
-          </a:ln>
         </p:spPr>
         <p:txBody>
-          <a:bodyPr spcFirstLastPara="1" wrap="square" lIns="0" tIns="0" rIns="0" bIns="0" anchor="ctr" anchorCtr="0">
-            <a:noAutofit/>
+          <a:bodyPr wrap="square" rtlCol="0">
+            <a:spAutoFit/>
           </a:bodyPr>
           <a:lstStyle/>
           <a:p>
-            <a:pPr marL="0" lvl="0" indent="0" algn="ctr" rtl="0">
-              <a:spcBef>
-                <a:spcPts val="0"/>
-              </a:spcBef>
-              <a:spcAft>
-                <a:spcPts val="0"/>
-              </a:spcAft>
-              <a:buNone/>
-            </a:pPr>
+            <a:pPr algn="ctr"/>
             <a:r>
-              <a:rPr lang="en-US">
-                <a:highlight>
-                  <a:schemeClr val="lt1"/>
-                </a:highlight>
-                <a:latin typeface="Calibri"/>
-                <a:ea typeface="Calibri"/>
-                <a:cs typeface="Calibri"/>
-                <a:sym typeface="Calibri"/>
-              </a:rPr>
-              <a:t>How do you trim polyA regions from both sides of reads?</a:t>
+              <a:rPr lang="en-US" sz="4000" dirty="0" smtClean="0"/>
+              <a:t>Variables - defining</a:t>
             </a:r>
-            <a:endParaRPr>
-              <a:highlight>
-                <a:schemeClr val="lt1"/>
-              </a:highlight>
-              <a:latin typeface="Calibri"/>
-              <a:ea typeface="Calibri"/>
-              <a:cs typeface="Calibri"/>
-              <a:sym typeface="Calibri"/>
-            </a:endParaRPr>
+            <a:endParaRPr lang="en-US" sz="3600" dirty="0"/>
+          </a:p>
+        </p:txBody>
+      </p:sp>
+      <p:sp>
+        <p:nvSpPr>
+          <p:cNvPr id="3" name="TextBox 2"/>
+          <p:cNvSpPr txBox="1"/>
+          <p:nvPr/>
+        </p:nvSpPr>
+        <p:spPr>
+          <a:xfrm>
+            <a:off x="461175" y="1789044"/>
+            <a:ext cx="7871792" cy="2831544"/>
+          </a:xfrm>
+          <a:prstGeom prst="rect">
+            <a:avLst/>
+          </a:prstGeom>
+          <a:noFill/>
+        </p:spPr>
+        <p:txBody>
+          <a:bodyPr wrap="square" rtlCol="0">
+            <a:spAutoFit/>
+          </a:bodyPr>
+          <a:lstStyle/>
+          <a:p>
+            <a:r>
+              <a:rPr lang="en-US" sz="2400" b="1" dirty="0" err="1" smtClean="0"/>
+              <a:t>variablename</a:t>
+            </a:r>
+            <a:r>
+              <a:rPr lang="en-US" sz="2400" b="1" dirty="0" smtClean="0"/>
+              <a:t>=</a:t>
+            </a:r>
+          </a:p>
+          <a:p>
+            <a:endParaRPr lang="en-US" dirty="0"/>
+          </a:p>
+          <a:p>
+            <a:pPr lvl="7"/>
+            <a:r>
+              <a:rPr lang="en-US" sz="1800" dirty="0"/>
+              <a:t>	</a:t>
+            </a:r>
+            <a:r>
+              <a:rPr lang="en-US" sz="1800" dirty="0" smtClean="0"/>
+              <a:t>a=5</a:t>
+            </a:r>
+          </a:p>
+          <a:p>
+            <a:pPr lvl="7"/>
+            <a:endParaRPr lang="en-US" sz="1800" dirty="0"/>
+          </a:p>
+          <a:p>
+            <a:pPr lvl="7"/>
+            <a:r>
+              <a:rPr lang="en-US" sz="1800" dirty="0"/>
+              <a:t>	</a:t>
+            </a:r>
+            <a:r>
+              <a:rPr lang="en-US" sz="1800" dirty="0" err="1" smtClean="0"/>
+              <a:t>gene_name</a:t>
+            </a:r>
+            <a:r>
+              <a:rPr lang="en-US" sz="1800" dirty="0" smtClean="0"/>
+              <a:t>=ACTB</a:t>
+            </a:r>
+          </a:p>
+          <a:p>
+            <a:pPr lvl="7"/>
+            <a:endParaRPr lang="en-US" sz="1800" dirty="0"/>
+          </a:p>
+          <a:p>
+            <a:pPr lvl="7"/>
+            <a:r>
+              <a:rPr lang="en-US" sz="1800" dirty="0"/>
+              <a:t>	</a:t>
+            </a:r>
+            <a:r>
+              <a:rPr lang="en-US" sz="1800" dirty="0" err="1"/>
+              <a:t>filepath</a:t>
+            </a:r>
+            <a:r>
+              <a:rPr lang="en-US" sz="1800" dirty="0"/>
+              <a:t>=/Users/&lt;username&gt;/</a:t>
+            </a:r>
+            <a:r>
+              <a:rPr lang="en-US" sz="1800" dirty="0" smtClean="0"/>
+              <a:t>sr2023/day04/scripts</a:t>
+            </a:r>
+          </a:p>
+          <a:p>
+            <a:pPr lvl="7"/>
+            <a:endParaRPr lang="en-US" sz="1800" dirty="0"/>
+          </a:p>
+          <a:p>
+            <a:pPr lvl="7"/>
+            <a:r>
+              <a:rPr lang="en-US" sz="1800" dirty="0"/>
+              <a:t>	</a:t>
+            </a:r>
+            <a:r>
+              <a:rPr lang="en-US" sz="1800" dirty="0" err="1"/>
+              <a:t>filelist</a:t>
+            </a:r>
+            <a:r>
+              <a:rPr lang="en-US" sz="1800" dirty="0"/>
+              <a:t>=$(ls .)</a:t>
+            </a:r>
+          </a:p>
+          <a:p>
+            <a:endParaRPr lang="en-US" dirty="0"/>
           </a:p>
         </p:txBody>
       </p:sp>
     </p:spTree>
+    <p:extLst>
+      <p:ext uri="{BB962C8B-B14F-4D97-AF65-F5344CB8AC3E}">
+        <p14:creationId xmlns:p14="http://schemas.microsoft.com/office/powerpoint/2010/main" val="741916831"/>
+      </p:ext>
+    </p:extLst>
   </p:cSld>
   <p:clrMapOvr>
     <a:masterClrMapping/>
